--- a/DAY8/ML4HPC/slides/Magurele_3.pptx
+++ b/DAY8/ML4HPC/slides/Magurele_3.pptx
@@ -21,9 +21,12 @@
     <p:sldId id="271" r:id="rId15"/>
     <p:sldId id="272" r:id="rId16"/>
     <p:sldId id="273" r:id="rId17"/>
-    <p:sldId id="274" r:id="rId18"/>
-    <p:sldId id="276" r:id="rId19"/>
-    <p:sldId id="275" r:id="rId20"/>
+    <p:sldId id="277" r:id="rId18"/>
+    <p:sldId id="278" r:id="rId19"/>
+    <p:sldId id="279" r:id="rId20"/>
+    <p:sldId id="274" r:id="rId21"/>
+    <p:sldId id="276" r:id="rId22"/>
+    <p:sldId id="275" r:id="rId23"/>
   </p:sldIdLst>
   <p:sldSz cx="12192000" cy="6858000"/>
   <p:notesSz cx="6858000" cy="9144000"/>
@@ -133,8 +136,7 @@
 <file path=ppt/revisionInfo.xml><?xml version="1.0" encoding="utf-8"?>
 <p1510:revInfo xmlns:a="http://schemas.openxmlformats.org/drawingml/2006/main" xmlns:r="http://schemas.openxmlformats.org/officeDocument/2006/relationships" xmlns:p1510="http://schemas.microsoft.com/office/powerpoint/2015/10/main">
   <p1510:revLst>
-    <p1510:client id="{6DD965FE-116D-591C-1737-57521268E9CF}" v="276" dt="2025-07-04T00:30:56.717"/>
-    <p1510:client id="{AA467009-4335-E15A-ADDC-102EA5645565}" v="1964" dt="2025-07-05T14:22:38.236"/>
+    <p1510:client id="{AA467009-4335-E15A-ADDC-102EA5645565}" v="2424" dt="2025-07-07T04:44:20.805"/>
   </p1510:revLst>
 </p1510:revInfo>
 </file>
@@ -270,7 +272,7 @@
           <a:p>
             <a:fld id="{846CE7D5-CF57-46EF-B807-FDD0502418D4}" type="datetimeFigureOut">
               <a:rPr lang="en-US" smtClean="0"/>
-              <a:t>7/5/2025</a:t>
+              <a:t>7/6/2025</a:t>
             </a:fld>
             <a:endParaRPr lang="en-US"/>
           </a:p>
@@ -440,7 +442,7 @@
           <a:p>
             <a:fld id="{846CE7D5-CF57-46EF-B807-FDD0502418D4}" type="datetimeFigureOut">
               <a:rPr lang="en-US" smtClean="0"/>
-              <a:t>7/5/2025</a:t>
+              <a:t>7/6/2025</a:t>
             </a:fld>
             <a:endParaRPr lang="en-US"/>
           </a:p>
@@ -620,7 +622,7 @@
           <a:p>
             <a:fld id="{846CE7D5-CF57-46EF-B807-FDD0502418D4}" type="datetimeFigureOut">
               <a:rPr lang="en-US" smtClean="0"/>
-              <a:t>7/5/2025</a:t>
+              <a:t>7/6/2025</a:t>
             </a:fld>
             <a:endParaRPr lang="en-US"/>
           </a:p>
@@ -790,7 +792,7 @@
           <a:p>
             <a:fld id="{846CE7D5-CF57-46EF-B807-FDD0502418D4}" type="datetimeFigureOut">
               <a:rPr lang="en-US" smtClean="0"/>
-              <a:t>7/5/2025</a:t>
+              <a:t>7/6/2025</a:t>
             </a:fld>
             <a:endParaRPr lang="en-US"/>
           </a:p>
@@ -1036,7 +1038,7 @@
           <a:p>
             <a:fld id="{846CE7D5-CF57-46EF-B807-FDD0502418D4}" type="datetimeFigureOut">
               <a:rPr lang="en-US" smtClean="0"/>
-              <a:t>7/5/2025</a:t>
+              <a:t>7/6/2025</a:t>
             </a:fld>
             <a:endParaRPr lang="en-US"/>
           </a:p>
@@ -1268,7 +1270,7 @@
           <a:p>
             <a:fld id="{846CE7D5-CF57-46EF-B807-FDD0502418D4}" type="datetimeFigureOut">
               <a:rPr lang="en-US" smtClean="0"/>
-              <a:t>7/5/2025</a:t>
+              <a:t>7/6/2025</a:t>
             </a:fld>
             <a:endParaRPr lang="en-US"/>
           </a:p>
@@ -1635,7 +1637,7 @@
           <a:p>
             <a:fld id="{846CE7D5-CF57-46EF-B807-FDD0502418D4}" type="datetimeFigureOut">
               <a:rPr lang="en-US" smtClean="0"/>
-              <a:t>7/5/2025</a:t>
+              <a:t>7/6/2025</a:t>
             </a:fld>
             <a:endParaRPr lang="en-US"/>
           </a:p>
@@ -1753,7 +1755,7 @@
           <a:p>
             <a:fld id="{846CE7D5-CF57-46EF-B807-FDD0502418D4}" type="datetimeFigureOut">
               <a:rPr lang="en-US" smtClean="0"/>
-              <a:t>7/5/2025</a:t>
+              <a:t>7/6/2025</a:t>
             </a:fld>
             <a:endParaRPr lang="en-US"/>
           </a:p>
@@ -1848,7 +1850,7 @@
           <a:p>
             <a:fld id="{846CE7D5-CF57-46EF-B807-FDD0502418D4}" type="datetimeFigureOut">
               <a:rPr lang="en-US" smtClean="0"/>
-              <a:t>7/5/2025</a:t>
+              <a:t>7/6/2025</a:t>
             </a:fld>
             <a:endParaRPr lang="en-US"/>
           </a:p>
@@ -2125,7 +2127,7 @@
           <a:p>
             <a:fld id="{846CE7D5-CF57-46EF-B807-FDD0502418D4}" type="datetimeFigureOut">
               <a:rPr lang="en-US" smtClean="0"/>
-              <a:t>7/5/2025</a:t>
+              <a:t>7/6/2025</a:t>
             </a:fld>
             <a:endParaRPr lang="en-US"/>
           </a:p>
@@ -2382,7 +2384,7 @@
           <a:p>
             <a:fld id="{846CE7D5-CF57-46EF-B807-FDD0502418D4}" type="datetimeFigureOut">
               <a:rPr lang="en-US" smtClean="0"/>
-              <a:t>7/5/2025</a:t>
+              <a:t>7/6/2025</a:t>
             </a:fld>
             <a:endParaRPr lang="en-US"/>
           </a:p>
@@ -2595,7 +2597,7 @@
           <a:p>
             <a:fld id="{846CE7D5-CF57-46EF-B807-FDD0502418D4}" type="datetimeFigureOut">
               <a:rPr lang="en-US" smtClean="0"/>
-              <a:t>7/5/2025</a:t>
+              <a:t>7/6/2025</a:t>
             </a:fld>
             <a:endParaRPr lang="en-US"/>
           </a:p>
@@ -4348,7 +4350,7 @@
         <p:spPr/>
         <p:txBody>
           <a:bodyPr vert="horz" lIns="91440" tIns="45720" rIns="91440" bIns="45720" rtlCol="0" anchor="t">
-            <a:normAutofit fontScale="92500" lnSpcReduction="10000"/>
+            <a:normAutofit/>
           </a:bodyPr>
           <a:lstStyle/>
           <a:p>
@@ -4366,6 +4368,10 @@
               </a:rPr>
               <a:t>https://archive.ics.uci.edu/dataset/280/higgs</a:t>
             </a:r>
+            <a:endParaRPr lang="en-US">
+              <a:ea typeface="+mn-lt"/>
+              <a:cs typeface="+mn-lt"/>
+            </a:endParaRPr>
           </a:p>
           <a:p>
             <a:r>
@@ -4384,7 +4390,14 @@
           <a:p>
             <a:r>
               <a:rPr lang="en-US" dirty="0"/>
-              <a:t>Without particular hyperparameter tuning, after training, we can get an accuracy of around 75% on the validation dataset</a:t>
+              <a:t>Without particular hyperparameter tuning, after training, we can get an accuracy of around 76% on the validation set and we compute the </a:t>
+            </a:r>
+            <a:r>
+              <a:rPr lang="en-US" dirty="0">
+                <a:ea typeface="+mn-lt"/>
+                <a:cs typeface="+mn-lt"/>
+              </a:rPr>
+              <a:t>area under the ROC curve (AUC) </a:t>
             </a:r>
           </a:p>
           <a:p>
@@ -4401,13 +4414,9 @@
             </a:r>
           </a:p>
           <a:p>
-            <a:r>
-              <a:rPr lang="en-US" dirty="0">
-                <a:ea typeface="+mn-lt"/>
-                <a:cs typeface="+mn-lt"/>
-              </a:rPr>
-              <a:t>Deep learning methods may be able to tackle problems with multiple backgrounds, or lower-level tasks such as identifying the decay products from the high-dimensional raw detector output.</a:t>
-            </a:r>
+            <a:pPr marL="0" indent="0">
+              <a:buNone/>
+            </a:pPr>
             <a:endParaRPr lang="en-US" dirty="0"/>
           </a:p>
         </p:txBody>
@@ -4426,6 +4435,832 @@
 </file>
 
 <file path=ppt/slides/slide17.xml><?xml version="1.0" encoding="utf-8"?>
+<p:sld xmlns:a="http://schemas.openxmlformats.org/drawingml/2006/main" xmlns:r="http://schemas.openxmlformats.org/officeDocument/2006/relationships" xmlns:p="http://schemas.openxmlformats.org/presentationml/2006/main">
+  <p:cSld>
+    <p:spTree>
+      <p:nvGrpSpPr>
+        <p:cNvPr id="1" name="">
+          <a:extLst>
+            <a:ext uri="{FF2B5EF4-FFF2-40B4-BE49-F238E27FC236}">
+              <a16:creationId xmlns:a16="http://schemas.microsoft.com/office/drawing/2014/main" id="{E75437CC-DD91-4112-BD45-E0579E37B41F}"/>
+            </a:ext>
+          </a:extLst>
+        </p:cNvPr>
+        <p:cNvGrpSpPr/>
+        <p:nvPr/>
+      </p:nvGrpSpPr>
+      <p:grpSpPr>
+        <a:xfrm>
+          <a:off x="0" y="0"/>
+          <a:ext cx="0" cy="0"/>
+          <a:chOff x="0" y="0"/>
+          <a:chExt cx="0" cy="0"/>
+        </a:xfrm>
+      </p:grpSpPr>
+      <p:sp>
+        <p:nvSpPr>
+          <p:cNvPr id="2" name="Title 1">
+            <a:extLst>
+              <a:ext uri="{FF2B5EF4-FFF2-40B4-BE49-F238E27FC236}">
+                <a16:creationId xmlns:a16="http://schemas.microsoft.com/office/drawing/2014/main" id="{268CCDB1-FBE9-FF2A-445B-7A09A702C2B2}"/>
+              </a:ext>
+            </a:extLst>
+          </p:cNvPr>
+          <p:cNvSpPr>
+            <a:spLocks noGrp="1"/>
+          </p:cNvSpPr>
+          <p:nvPr>
+            <p:ph type="title"/>
+          </p:nvPr>
+        </p:nvSpPr>
+        <p:spPr/>
+        <p:txBody>
+          <a:bodyPr>
+            <a:normAutofit/>
+          </a:bodyPr>
+          <a:lstStyle/>
+          <a:p>
+            <a:r>
+              <a:rPr lang="en-US" dirty="0"/>
+              <a:t>Threshold for binary classifier</a:t>
+            </a:r>
+          </a:p>
+        </p:txBody>
+      </p:sp>
+      <p:sp>
+        <p:nvSpPr>
+          <p:cNvPr id="4" name="Content Placeholder 3">
+            <a:extLst>
+              <a:ext uri="{FF2B5EF4-FFF2-40B4-BE49-F238E27FC236}">
+                <a16:creationId xmlns:a16="http://schemas.microsoft.com/office/drawing/2014/main" id="{98C7C446-0EFF-A1E7-E398-F7E65A2F91C1}"/>
+              </a:ext>
+            </a:extLst>
+          </p:cNvPr>
+          <p:cNvSpPr>
+            <a:spLocks noGrp="1"/>
+          </p:cNvSpPr>
+          <p:nvPr>
+            <p:ph idx="1"/>
+          </p:nvPr>
+        </p:nvSpPr>
+        <p:spPr/>
+        <p:txBody>
+          <a:bodyPr vert="horz" lIns="91440" tIns="45720" rIns="91440" bIns="45720" rtlCol="0" anchor="t">
+            <a:normAutofit fontScale="92500" lnSpcReduction="20000"/>
+          </a:bodyPr>
+          <a:lstStyle/>
+          <a:p>
+            <a:r>
+              <a:rPr lang="en-US" dirty="0">
+                <a:ea typeface="+mn-lt"/>
+                <a:cs typeface="+mn-lt"/>
+              </a:rPr>
+              <a:t>When we are predicting the probability of an instance belonging to a particular class, a threshold determines at what probability you classify an instance as the positive class (1) or the negative class (0).</a:t>
+            </a:r>
+            <a:endParaRPr lang="en-US"/>
+          </a:p>
+          <a:p>
+            <a:r>
+              <a:rPr lang="en-US" dirty="0">
+                <a:ea typeface="+mn-lt"/>
+                <a:cs typeface="+mn-lt"/>
+              </a:rPr>
+              <a:t>The Higgs classifier decides whether an event involves the Higgs boson or the background. The model computes a score (probability) for each event, representing the likelihood it's a Higgs.</a:t>
+            </a:r>
+            <a:endParaRPr lang="en-US" dirty="0"/>
+          </a:p>
+          <a:p>
+            <a:r>
+              <a:rPr lang="en-US" dirty="0">
+                <a:ea typeface="+mn-lt"/>
+                <a:cs typeface="+mn-lt"/>
+              </a:rPr>
+              <a:t>If we set </a:t>
+            </a:r>
+            <a:r>
+              <a:rPr lang="en-US" b="1" i="1" dirty="0">
+                <a:ea typeface="+mn-lt"/>
+                <a:cs typeface="+mn-lt"/>
+              </a:rPr>
+              <a:t>a high threshold</a:t>
+            </a:r>
+            <a:r>
+              <a:rPr lang="en-US" dirty="0">
+                <a:ea typeface="+mn-lt"/>
+                <a:cs typeface="+mn-lt"/>
+              </a:rPr>
+              <a:t>, the model will only mark very obvious Higgs events, ensuring background events are not accidentally confused as Higgs events. This might mean some less-obvious Higgs events be classified as background.</a:t>
+            </a:r>
+            <a:endParaRPr lang="en-US" dirty="0"/>
+          </a:p>
+          <a:p>
+            <a:r>
+              <a:rPr lang="en-US" dirty="0">
+                <a:ea typeface="+mn-lt"/>
+                <a:cs typeface="+mn-lt"/>
+              </a:rPr>
+              <a:t>On the other hand, if you set a </a:t>
+            </a:r>
+            <a:r>
+              <a:rPr lang="en-US" b="1" i="1" dirty="0">
+                <a:ea typeface="+mn-lt"/>
+                <a:cs typeface="+mn-lt"/>
+              </a:rPr>
+              <a:t>lower threshold</a:t>
+            </a:r>
+            <a:r>
+              <a:rPr lang="en-US" dirty="0">
+                <a:ea typeface="+mn-lt"/>
+                <a:cs typeface="+mn-lt"/>
+              </a:rPr>
+              <a:t>, the filter will catch a broader range of Higgs event, but there's also a higher chance it might incorrectly classify a background event as Higgs.</a:t>
+            </a:r>
+            <a:endParaRPr lang="en-US" dirty="0"/>
+          </a:p>
+          <a:p>
+            <a:endParaRPr lang="en-US" dirty="0"/>
+          </a:p>
+        </p:txBody>
+      </p:sp>
+    </p:spTree>
+    <p:extLst>
+      <p:ext uri="{BB962C8B-B14F-4D97-AF65-F5344CB8AC3E}">
+        <p14:creationId xmlns:p14="http://schemas.microsoft.com/office/powerpoint/2010/main" val="1277279737"/>
+      </p:ext>
+    </p:extLst>
+  </p:cSld>
+  <p:clrMapOvr>
+    <a:masterClrMapping/>
+  </p:clrMapOvr>
+</p:sld>
+</file>
+
+<file path=ppt/slides/slide18.xml><?xml version="1.0" encoding="utf-8"?>
+<p:sld xmlns:a="http://schemas.openxmlformats.org/drawingml/2006/main" xmlns:r="http://schemas.openxmlformats.org/officeDocument/2006/relationships" xmlns:p="http://schemas.openxmlformats.org/presentationml/2006/main">
+  <p:cSld>
+    <p:spTree>
+      <p:nvGrpSpPr>
+        <p:cNvPr id="1" name="">
+          <a:extLst>
+            <a:ext uri="{FF2B5EF4-FFF2-40B4-BE49-F238E27FC236}">
+              <a16:creationId xmlns:a16="http://schemas.microsoft.com/office/drawing/2014/main" id="{E497149A-F8BA-9089-13FD-C6D041AB04AB}"/>
+            </a:ext>
+          </a:extLst>
+        </p:cNvPr>
+        <p:cNvGrpSpPr/>
+        <p:nvPr/>
+      </p:nvGrpSpPr>
+      <p:grpSpPr>
+        <a:xfrm>
+          <a:off x="0" y="0"/>
+          <a:ext cx="0" cy="0"/>
+          <a:chOff x="0" y="0"/>
+          <a:chExt cx="0" cy="0"/>
+        </a:xfrm>
+      </p:grpSpPr>
+      <p:sp>
+        <p:nvSpPr>
+          <p:cNvPr id="2" name="Title 1">
+            <a:extLst>
+              <a:ext uri="{FF2B5EF4-FFF2-40B4-BE49-F238E27FC236}">
+                <a16:creationId xmlns:a16="http://schemas.microsoft.com/office/drawing/2014/main" id="{5CBF6581-7819-C4C7-ACA2-5A664E5786F5}"/>
+              </a:ext>
+            </a:extLst>
+          </p:cNvPr>
+          <p:cNvSpPr>
+            <a:spLocks noGrp="1"/>
+          </p:cNvSpPr>
+          <p:nvPr>
+            <p:ph type="title"/>
+          </p:nvPr>
+        </p:nvSpPr>
+        <p:spPr/>
+        <p:txBody>
+          <a:bodyPr>
+            <a:normAutofit/>
+          </a:bodyPr>
+          <a:lstStyle/>
+          <a:p>
+            <a:r>
+              <a:rPr lang="en-US" dirty="0">
+                <a:ea typeface="+mj-lt"/>
+                <a:cs typeface="+mj-lt"/>
+              </a:rPr>
+              <a:t>ROC</a:t>
+            </a:r>
+            <a:endParaRPr lang="en-US" dirty="0"/>
+          </a:p>
+        </p:txBody>
+      </p:sp>
+      <p:sp>
+        <p:nvSpPr>
+          <p:cNvPr id="4" name="Content Placeholder 3">
+            <a:extLst>
+              <a:ext uri="{FF2B5EF4-FFF2-40B4-BE49-F238E27FC236}">
+                <a16:creationId xmlns:a16="http://schemas.microsoft.com/office/drawing/2014/main" id="{2915B68E-EE3F-16DC-E2BC-0605782F6D0F}"/>
+              </a:ext>
+            </a:extLst>
+          </p:cNvPr>
+          <p:cNvSpPr>
+            <a:spLocks noGrp="1"/>
+          </p:cNvSpPr>
+          <p:nvPr>
+            <p:ph idx="1"/>
+          </p:nvPr>
+        </p:nvSpPr>
+        <p:spPr>
+          <a:xfrm>
+            <a:off x="838200" y="1825625"/>
+            <a:ext cx="10515600" cy="4351338"/>
+          </a:xfrm>
+        </p:spPr>
+        <p:txBody>
+          <a:bodyPr vert="horz" lIns="91440" tIns="45720" rIns="91440" bIns="45720" rtlCol="0" anchor="t">
+            <a:normAutofit/>
+          </a:bodyPr>
+          <a:lstStyle/>
+          <a:p>
+            <a:r>
+              <a:rPr lang="en-US" dirty="0">
+                <a:ea typeface="+mn-lt"/>
+                <a:cs typeface="+mn-lt"/>
+              </a:rPr>
+              <a:t>A </a:t>
+            </a:r>
+            <a:r>
+              <a:rPr lang="en-US" b="1" dirty="0">
+                <a:ea typeface="+mn-lt"/>
+                <a:cs typeface="+mn-lt"/>
+              </a:rPr>
+              <a:t>ROC curve</a:t>
+            </a:r>
+            <a:r>
+              <a:rPr lang="en-US" dirty="0">
+                <a:ea typeface="+mn-lt"/>
+                <a:cs typeface="+mn-lt"/>
+              </a:rPr>
+              <a:t> is a graphical plot </a:t>
+            </a:r>
+            <a:br>
+              <a:rPr lang="en-US" dirty="0">
+                <a:ea typeface="+mn-lt"/>
+                <a:cs typeface="+mn-lt"/>
+              </a:rPr>
+            </a:br>
+            <a:r>
+              <a:rPr lang="en-US" dirty="0">
+                <a:ea typeface="+mn-lt"/>
+                <a:cs typeface="+mn-lt"/>
+              </a:rPr>
+              <a:t>that illustrates the performance</a:t>
+            </a:r>
+            <a:br>
+              <a:rPr lang="en-US" dirty="0">
+                <a:ea typeface="+mn-lt"/>
+                <a:cs typeface="+mn-lt"/>
+              </a:rPr>
+            </a:br>
+            <a:r>
+              <a:rPr lang="en-US" dirty="0">
+                <a:ea typeface="+mn-lt"/>
+                <a:cs typeface="+mn-lt"/>
+              </a:rPr>
+              <a:t>of a binary classifier model </a:t>
+            </a:r>
+            <a:br>
+              <a:rPr lang="en-US" dirty="0">
+                <a:ea typeface="+mn-lt"/>
+                <a:cs typeface="+mn-lt"/>
+              </a:rPr>
+            </a:br>
+            <a:r>
+              <a:rPr lang="en-US" dirty="0">
+                <a:ea typeface="+mn-lt"/>
+                <a:cs typeface="+mn-lt"/>
+              </a:rPr>
+              <a:t>at varying threshold values.</a:t>
+            </a:r>
+            <a:endParaRPr lang="en-US" dirty="0"/>
+          </a:p>
+          <a:p>
+            <a:endParaRPr lang="en-US"/>
+          </a:p>
+          <a:p>
+            <a:endParaRPr lang="en-US" dirty="0">
+              <a:ea typeface="+mn-lt"/>
+              <a:cs typeface="+mn-lt"/>
+            </a:endParaRPr>
+          </a:p>
+          <a:p>
+            <a:endParaRPr lang="en-US" dirty="0">
+              <a:ea typeface="+mn-lt"/>
+              <a:cs typeface="+mn-lt"/>
+            </a:endParaRPr>
+          </a:p>
+          <a:p>
+            <a:r>
+              <a:rPr lang="en-US" dirty="0">
+                <a:ea typeface="+mn-lt"/>
+                <a:cs typeface="+mn-lt"/>
+              </a:rPr>
+              <a:t>The ROC curve is the plot of the true positive rate (TPR) against the false positive rate (FPR) at each threshold setting.</a:t>
+            </a:r>
+            <a:endParaRPr lang="en-US" dirty="0"/>
+          </a:p>
+          <a:p>
+            <a:endParaRPr lang="en-US"/>
+          </a:p>
+        </p:txBody>
+      </p:sp>
+      <p:pic>
+        <p:nvPicPr>
+          <p:cNvPr id="3" name="Picture 2" descr="A graph of a curve&#10;&#10;AI-generated content may be incorrect.">
+            <a:extLst>
+              <a:ext uri="{FF2B5EF4-FFF2-40B4-BE49-F238E27FC236}">
+                <a16:creationId xmlns:a16="http://schemas.microsoft.com/office/drawing/2014/main" id="{459D6EDA-196B-D2E5-DEB8-D15D1BAF8221}"/>
+              </a:ext>
+            </a:extLst>
+          </p:cNvPr>
+          <p:cNvPicPr>
+            <a:picLocks noChangeAspect="1"/>
+          </p:cNvPicPr>
+          <p:nvPr/>
+        </p:nvPicPr>
+        <p:blipFill>
+          <a:blip r:embed="rId2"/>
+          <a:srcRect l="-102" t="3571" r="3282"/>
+          <a:stretch>
+            <a:fillRect/>
+          </a:stretch>
+        </p:blipFill>
+        <p:spPr>
+          <a:xfrm>
+            <a:off x="6106160" y="1685925"/>
+            <a:ext cx="5099859" cy="3468324"/>
+          </a:xfrm>
+          <a:prstGeom prst="rect">
+            <a:avLst/>
+          </a:prstGeom>
+        </p:spPr>
+      </p:pic>
+    </p:spTree>
+    <p:extLst>
+      <p:ext uri="{BB962C8B-B14F-4D97-AF65-F5344CB8AC3E}">
+        <p14:creationId xmlns:p14="http://schemas.microsoft.com/office/powerpoint/2010/main" val="1975279200"/>
+      </p:ext>
+    </p:extLst>
+  </p:cSld>
+  <p:clrMapOvr>
+    <a:masterClrMapping/>
+  </p:clrMapOvr>
+</p:sld>
+</file>
+
+<file path=ppt/slides/slide19.xml><?xml version="1.0" encoding="utf-8"?>
+<p:sld xmlns:a="http://schemas.openxmlformats.org/drawingml/2006/main" xmlns:r="http://schemas.openxmlformats.org/officeDocument/2006/relationships" xmlns:p="http://schemas.openxmlformats.org/presentationml/2006/main">
+  <p:cSld>
+    <p:spTree>
+      <p:nvGrpSpPr>
+        <p:cNvPr id="1" name="">
+          <a:extLst>
+            <a:ext uri="{FF2B5EF4-FFF2-40B4-BE49-F238E27FC236}">
+              <a16:creationId xmlns:a16="http://schemas.microsoft.com/office/drawing/2014/main" id="{8A4322B0-9379-01D3-4289-B02D7099BEE2}"/>
+            </a:ext>
+          </a:extLst>
+        </p:cNvPr>
+        <p:cNvGrpSpPr/>
+        <p:nvPr/>
+      </p:nvGrpSpPr>
+      <p:grpSpPr>
+        <a:xfrm>
+          <a:off x="0" y="0"/>
+          <a:ext cx="0" cy="0"/>
+          <a:chOff x="0" y="0"/>
+          <a:chExt cx="0" cy="0"/>
+        </a:xfrm>
+      </p:grpSpPr>
+      <p:sp>
+        <p:nvSpPr>
+          <p:cNvPr id="2" name="Title 1">
+            <a:extLst>
+              <a:ext uri="{FF2B5EF4-FFF2-40B4-BE49-F238E27FC236}">
+                <a16:creationId xmlns:a16="http://schemas.microsoft.com/office/drawing/2014/main" id="{7212095C-9747-F76A-1191-0ED5564AA6E4}"/>
+              </a:ext>
+            </a:extLst>
+          </p:cNvPr>
+          <p:cNvSpPr>
+            <a:spLocks noGrp="1"/>
+          </p:cNvSpPr>
+          <p:nvPr>
+            <p:ph type="title"/>
+          </p:nvPr>
+        </p:nvSpPr>
+        <p:spPr/>
+        <p:txBody>
+          <a:bodyPr>
+            <a:normAutofit/>
+          </a:bodyPr>
+          <a:lstStyle/>
+          <a:p>
+            <a:r>
+              <a:rPr lang="en-US" dirty="0">
+                <a:ea typeface="+mj-lt"/>
+                <a:cs typeface="+mj-lt"/>
+              </a:rPr>
+              <a:t>AUC</a:t>
+            </a:r>
+            <a:endParaRPr lang="en-US" dirty="0"/>
+          </a:p>
+        </p:txBody>
+      </p:sp>
+      <p:sp>
+        <p:nvSpPr>
+          <p:cNvPr id="4" name="Content Placeholder 3">
+            <a:extLst>
+              <a:ext uri="{FF2B5EF4-FFF2-40B4-BE49-F238E27FC236}">
+                <a16:creationId xmlns:a16="http://schemas.microsoft.com/office/drawing/2014/main" id="{A1892508-8A87-FCDC-AAF0-9DB44BDFB7A7}"/>
+              </a:ext>
+            </a:extLst>
+          </p:cNvPr>
+          <p:cNvSpPr>
+            <a:spLocks noGrp="1"/>
+          </p:cNvSpPr>
+          <p:nvPr>
+            <p:ph idx="1"/>
+          </p:nvPr>
+        </p:nvSpPr>
+        <p:spPr/>
+        <p:txBody>
+          <a:bodyPr vert="horz" lIns="91440" tIns="45720" rIns="91440" bIns="45720" rtlCol="0" anchor="t">
+            <a:normAutofit/>
+          </a:bodyPr>
+          <a:lstStyle/>
+          <a:p>
+            <a:r>
+              <a:rPr lang="en-US" dirty="0">
+                <a:ea typeface="+mn-lt"/>
+                <a:cs typeface="+mn-lt"/>
+              </a:rPr>
+              <a:t>The Area Under the ROC Curve (AUC) is a metric used to evaluate the performance of a binary classification model. </a:t>
+            </a:r>
+          </a:p>
+          <a:p>
+            <a:r>
+              <a:rPr lang="en-US" dirty="0">
+                <a:ea typeface="+mn-lt"/>
+                <a:cs typeface="+mn-lt"/>
+              </a:rPr>
+              <a:t>An AUC of 1.0 indicates a perfect model, while an AUC of 0.5 suggests the model performs no better than random guessing</a:t>
+            </a:r>
+            <a:endParaRPr lang="en-US" dirty="0"/>
+          </a:p>
+          <a:p>
+            <a:pPr lvl="1"/>
+            <a:r>
+              <a:rPr lang="en-US" b="1" dirty="0">
+                <a:ea typeface="+mn-lt"/>
+                <a:cs typeface="+mn-lt"/>
+              </a:rPr>
+              <a:t>0.5:</a:t>
+            </a:r>
+            <a:r>
+              <a:rPr lang="en-US" dirty="0">
+                <a:ea typeface="+mn-lt"/>
+                <a:cs typeface="+mn-lt"/>
+              </a:rPr>
+              <a:t> No discriminatory power (random guessing). </a:t>
+            </a:r>
+            <a:endParaRPr lang="en-US"/>
+          </a:p>
+          <a:p>
+            <a:pPr lvl="1"/>
+            <a:r>
+              <a:rPr lang="en-US" b="1" dirty="0">
+                <a:ea typeface="+mn-lt"/>
+                <a:cs typeface="+mn-lt"/>
+              </a:rPr>
+              <a:t>0.7 - 0.8:</a:t>
+            </a:r>
+            <a:r>
+              <a:rPr lang="en-US" dirty="0">
+                <a:ea typeface="+mn-lt"/>
+                <a:cs typeface="+mn-lt"/>
+              </a:rPr>
+              <a:t> Acceptable performance. </a:t>
+            </a:r>
+            <a:endParaRPr lang="en-US" dirty="0"/>
+          </a:p>
+          <a:p>
+            <a:pPr lvl="1"/>
+            <a:r>
+              <a:rPr lang="en-US" b="1" dirty="0">
+                <a:ea typeface="+mn-lt"/>
+                <a:cs typeface="+mn-lt"/>
+              </a:rPr>
+              <a:t>0.8 - 0.9:</a:t>
+            </a:r>
+            <a:r>
+              <a:rPr lang="en-US" dirty="0">
+                <a:ea typeface="+mn-lt"/>
+                <a:cs typeface="+mn-lt"/>
+              </a:rPr>
+              <a:t> Excellent performance. </a:t>
+            </a:r>
+            <a:endParaRPr lang="en-US"/>
+          </a:p>
+          <a:p>
+            <a:pPr lvl="1"/>
+            <a:r>
+              <a:rPr lang="en-US" b="1" dirty="0">
+                <a:ea typeface="+mn-lt"/>
+                <a:cs typeface="+mn-lt"/>
+              </a:rPr>
+              <a:t>0.9 - 1.0:</a:t>
+            </a:r>
+            <a:r>
+              <a:rPr lang="en-US" dirty="0">
+                <a:ea typeface="+mn-lt"/>
+                <a:cs typeface="+mn-lt"/>
+              </a:rPr>
+              <a:t> Outstanding performance. </a:t>
+            </a:r>
+            <a:endParaRPr lang="en-US" dirty="0"/>
+          </a:p>
+          <a:p>
+            <a:endParaRPr lang="en-US" dirty="0"/>
+          </a:p>
+          <a:p>
+            <a:endParaRPr lang="en-US" dirty="0"/>
+          </a:p>
+        </p:txBody>
+      </p:sp>
+    </p:spTree>
+    <p:extLst>
+      <p:ext uri="{BB962C8B-B14F-4D97-AF65-F5344CB8AC3E}">
+        <p14:creationId xmlns:p14="http://schemas.microsoft.com/office/powerpoint/2010/main" val="522451010"/>
+      </p:ext>
+    </p:extLst>
+  </p:cSld>
+  <p:clrMapOvr>
+    <a:masterClrMapping/>
+  </p:clrMapOvr>
+</p:sld>
+</file>
+
+<file path=ppt/slides/slide2.xml><?xml version="1.0" encoding="utf-8"?>
+<p:sld xmlns:a="http://schemas.openxmlformats.org/drawingml/2006/main" xmlns:r="http://schemas.openxmlformats.org/officeDocument/2006/relationships" xmlns:p="http://schemas.openxmlformats.org/presentationml/2006/main">
+  <p:cSld>
+    <p:spTree>
+      <p:nvGrpSpPr>
+        <p:cNvPr id="1" name=""/>
+        <p:cNvGrpSpPr/>
+        <p:nvPr/>
+      </p:nvGrpSpPr>
+      <p:grpSpPr>
+        <a:xfrm>
+          <a:off x="0" y="0"/>
+          <a:ext cx="0" cy="0"/>
+          <a:chOff x="0" y="0"/>
+          <a:chExt cx="0" cy="0"/>
+        </a:xfrm>
+      </p:grpSpPr>
+      <p:sp>
+        <p:nvSpPr>
+          <p:cNvPr id="2" name="Title 1">
+            <a:extLst>
+              <a:ext uri="{FF2B5EF4-FFF2-40B4-BE49-F238E27FC236}">
+                <a16:creationId xmlns:a16="http://schemas.microsoft.com/office/drawing/2014/main" id="{7E8C8F0A-3DC8-D1EA-1794-F003AC4CAA6F}"/>
+              </a:ext>
+            </a:extLst>
+          </p:cNvPr>
+          <p:cNvSpPr>
+            <a:spLocks noGrp="1"/>
+          </p:cNvSpPr>
+          <p:nvPr>
+            <p:ph type="title"/>
+          </p:nvPr>
+        </p:nvSpPr>
+        <p:spPr/>
+        <p:txBody>
+          <a:bodyPr>
+            <a:normAutofit/>
+          </a:bodyPr>
+          <a:lstStyle/>
+          <a:p>
+            <a:r>
+              <a:rPr lang="en-US" dirty="0">
+                <a:latin typeface="Aptos"/>
+              </a:rPr>
+              <a:t>Exploratory data analysis (EDA)</a:t>
+            </a:r>
+          </a:p>
+        </p:txBody>
+      </p:sp>
+      <p:sp>
+        <p:nvSpPr>
+          <p:cNvPr id="3" name="Content Placeholder 2">
+            <a:extLst>
+              <a:ext uri="{FF2B5EF4-FFF2-40B4-BE49-F238E27FC236}">
+                <a16:creationId xmlns:a16="http://schemas.microsoft.com/office/drawing/2014/main" id="{F33AAB21-0DEE-F27D-8863-CB061DF74378}"/>
+              </a:ext>
+            </a:extLst>
+          </p:cNvPr>
+          <p:cNvSpPr>
+            <a:spLocks noGrp="1"/>
+          </p:cNvSpPr>
+          <p:nvPr>
+            <p:ph idx="1"/>
+          </p:nvPr>
+        </p:nvSpPr>
+        <p:spPr/>
+        <p:txBody>
+          <a:bodyPr vert="horz" lIns="91440" tIns="45720" rIns="91440" bIns="45720" rtlCol="0" anchor="t">
+            <a:normAutofit/>
+          </a:bodyPr>
+          <a:lstStyle/>
+          <a:p>
+            <a:r>
+              <a:rPr lang="en-US" dirty="0"/>
+              <a:t>EDA</a:t>
+            </a:r>
+            <a:r>
+              <a:rPr lang="en-US" dirty="0">
+                <a:ea typeface="+mn-lt"/>
+                <a:cs typeface="+mn-lt"/>
+              </a:rPr>
+              <a:t> is used for</a:t>
+            </a:r>
+            <a:r>
+              <a:rPr lang="en-US" sz="2800" dirty="0">
+                <a:ea typeface="+mn-lt"/>
+                <a:cs typeface="+mn-lt"/>
+              </a:rPr>
+              <a:t> </a:t>
+            </a:r>
+            <a:r>
+              <a:rPr lang="en-US" dirty="0">
+                <a:ea typeface="+mn-lt"/>
+                <a:cs typeface="+mn-lt"/>
+              </a:rPr>
+              <a:t>analyzing datasets and summarizing their main characteristics</a:t>
+            </a:r>
+            <a:r>
+              <a:rPr lang="en-US" sz="2800" dirty="0">
+                <a:ea typeface="+mn-lt"/>
+                <a:cs typeface="+mn-lt"/>
+              </a:rPr>
+              <a:t>, </a:t>
+            </a:r>
+            <a:r>
+              <a:rPr lang="en-US" dirty="0">
+                <a:ea typeface="+mn-lt"/>
+                <a:cs typeface="+mn-lt"/>
+              </a:rPr>
+              <a:t>using statistical graphics or visualization methods</a:t>
+            </a:r>
+            <a:endParaRPr lang="en-US" dirty="0"/>
+          </a:p>
+          <a:p>
+            <a:r>
+              <a:rPr lang="en-US" dirty="0">
+                <a:ea typeface="+mn-lt"/>
+                <a:cs typeface="+mn-lt"/>
+              </a:rPr>
+              <a:t>EDA is for seeing what the data can tell</a:t>
+            </a:r>
+          </a:p>
+          <a:p>
+            <a:r>
+              <a:rPr lang="en-US" dirty="0"/>
+              <a:t>In the USA, and West Coast in particular,</a:t>
+            </a:r>
+            <a:br>
+              <a:rPr lang="en-US" dirty="0"/>
+            </a:br>
+            <a:r>
+              <a:rPr lang="en-US" dirty="0"/>
+              <a:t>people argue</a:t>
+            </a:r>
+            <a:r>
+              <a:rPr lang="en-US" dirty="0">
+                <a:ea typeface="+mn-lt"/>
+                <a:cs typeface="+mn-lt"/>
+              </a:rPr>
+              <a:t> about who has most rain</a:t>
+            </a:r>
+          </a:p>
+          <a:p>
+            <a:r>
+              <a:rPr lang="en-US" dirty="0">
+                <a:ea typeface="+mn-lt"/>
+                <a:cs typeface="+mn-lt"/>
+              </a:rPr>
+              <a:t>What about the East Coast?</a:t>
+            </a:r>
+            <a:br>
+              <a:rPr lang="en-US" dirty="0">
+                <a:ea typeface="+mn-lt"/>
+                <a:cs typeface="+mn-lt"/>
+              </a:rPr>
+            </a:br>
+            <a:r>
+              <a:rPr lang="en-US" dirty="0">
+                <a:ea typeface="+mn-lt"/>
+                <a:cs typeface="+mn-lt"/>
+              </a:rPr>
+              <a:t>We want to see if it rains more </a:t>
+            </a:r>
+            <a:br>
+              <a:rPr lang="en-US" dirty="0">
+                <a:ea typeface="+mn-lt"/>
+                <a:cs typeface="+mn-lt"/>
+              </a:rPr>
+            </a:br>
+            <a:r>
+              <a:rPr lang="en-US" dirty="0">
+                <a:ea typeface="+mn-lt"/>
+                <a:cs typeface="+mn-lt"/>
+              </a:rPr>
+              <a:t>in Atlanta or Seattle</a:t>
+            </a:r>
+          </a:p>
+        </p:txBody>
+      </p:sp>
+      <p:pic>
+        <p:nvPicPr>
+          <p:cNvPr id="4" name="Picture 3" descr="A screenshot of a weather forecast&#10;&#10;AI-generated content may be incorrect.">
+            <a:extLst>
+              <a:ext uri="{FF2B5EF4-FFF2-40B4-BE49-F238E27FC236}">
+                <a16:creationId xmlns:a16="http://schemas.microsoft.com/office/drawing/2014/main" id="{33ECEA8B-4D30-7127-9BB2-6BFCDED318D3}"/>
+              </a:ext>
+            </a:extLst>
+          </p:cNvPr>
+          <p:cNvPicPr>
+            <a:picLocks noChangeAspect="1"/>
+          </p:cNvPicPr>
+          <p:nvPr/>
+        </p:nvPicPr>
+        <p:blipFill>
+          <a:blip r:embed="rId2"/>
+          <a:stretch>
+            <a:fillRect/>
+          </a:stretch>
+        </p:blipFill>
+        <p:spPr>
+          <a:xfrm>
+            <a:off x="7546122" y="2709487"/>
+            <a:ext cx="3810684" cy="3151268"/>
+          </a:xfrm>
+          <a:prstGeom prst="rect">
+            <a:avLst/>
+          </a:prstGeom>
+        </p:spPr>
+      </p:pic>
+      <p:pic>
+        <p:nvPicPr>
+          <p:cNvPr id="6" name="Picture 5" descr="A map of the united states&#10;&#10;AI-generated content may be incorrect.">
+            <a:extLst>
+              <a:ext uri="{FF2B5EF4-FFF2-40B4-BE49-F238E27FC236}">
+                <a16:creationId xmlns:a16="http://schemas.microsoft.com/office/drawing/2014/main" id="{151552C3-2F85-BE3E-E6D1-35C7CBBEF892}"/>
+              </a:ext>
+            </a:extLst>
+          </p:cNvPr>
+          <p:cNvPicPr>
+            <a:picLocks noChangeAspect="1"/>
+          </p:cNvPicPr>
+          <p:nvPr/>
+        </p:nvPicPr>
+        <p:blipFill>
+          <a:blip r:embed="rId3"/>
+          <a:srcRect l="-510" t="-72" r="36905" b="14272"/>
+          <a:stretch>
+            <a:fillRect/>
+          </a:stretch>
+        </p:blipFill>
+        <p:spPr>
+          <a:xfrm>
+            <a:off x="5717162" y="3996246"/>
+            <a:ext cx="2813761" cy="2176400"/>
+          </a:xfrm>
+          <a:prstGeom prst="rect">
+            <a:avLst/>
+          </a:prstGeom>
+        </p:spPr>
+      </p:pic>
+    </p:spTree>
+    <p:extLst>
+      <p:ext uri="{BB962C8B-B14F-4D97-AF65-F5344CB8AC3E}">
+        <p14:creationId xmlns:p14="http://schemas.microsoft.com/office/powerpoint/2010/main" val="3258540556"/>
+      </p:ext>
+    </p:extLst>
+  </p:cSld>
+  <p:clrMapOvr>
+    <a:masterClrMapping/>
+  </p:clrMapOvr>
+</p:sld>
+</file>
+
+<file path=ppt/slides/slide20.xml><?xml version="1.0" encoding="utf-8"?>
 <p:sld xmlns:a="http://schemas.openxmlformats.org/drawingml/2006/main" xmlns:r="http://schemas.openxmlformats.org/officeDocument/2006/relationships" xmlns:p="http://schemas.openxmlformats.org/presentationml/2006/main">
   <p:cSld>
     <p:spTree>
@@ -4589,7 +5424,7 @@
 </p:sld>
 </file>
 
-<file path=ppt/slides/slide18.xml><?xml version="1.0" encoding="utf-8"?>
+<file path=ppt/slides/slide21.xml><?xml version="1.0" encoding="utf-8"?>
 <p:sld xmlns:a="http://schemas.openxmlformats.org/drawingml/2006/main" xmlns:r="http://schemas.openxmlformats.org/officeDocument/2006/relationships" xmlns:p="http://schemas.openxmlformats.org/presentationml/2006/main">
   <p:cSld>
     <p:spTree>
@@ -4746,7 +5581,7 @@
 </p:sld>
 </file>
 
-<file path=ppt/slides/slide19.xml><?xml version="1.0" encoding="utf-8"?>
+<file path=ppt/slides/slide22.xml><?xml version="1.0" encoding="utf-8"?>
 <p:sld xmlns:a="http://schemas.openxmlformats.org/drawingml/2006/main" xmlns:r="http://schemas.openxmlformats.org/officeDocument/2006/relationships" xmlns:p="http://schemas.openxmlformats.org/presentationml/2006/main">
   <p:cSld>
     <p:spTree>
@@ -4897,259 +5732,6 @@
     <p:extLst>
       <p:ext uri="{BB962C8B-B14F-4D97-AF65-F5344CB8AC3E}">
         <p14:creationId xmlns:p14="http://schemas.microsoft.com/office/powerpoint/2010/main" val="3016579628"/>
-      </p:ext>
-    </p:extLst>
-  </p:cSld>
-  <p:clrMapOvr>
-    <a:masterClrMapping/>
-  </p:clrMapOvr>
-</p:sld>
-</file>
-
-<file path=ppt/slides/slide2.xml><?xml version="1.0" encoding="utf-8"?>
-<p:sld xmlns:a="http://schemas.openxmlformats.org/drawingml/2006/main" xmlns:r="http://schemas.openxmlformats.org/officeDocument/2006/relationships" xmlns:p="http://schemas.openxmlformats.org/presentationml/2006/main">
-  <p:cSld>
-    <p:spTree>
-      <p:nvGrpSpPr>
-        <p:cNvPr id="1" name=""/>
-        <p:cNvGrpSpPr/>
-        <p:nvPr/>
-      </p:nvGrpSpPr>
-      <p:grpSpPr>
-        <a:xfrm>
-          <a:off x="0" y="0"/>
-          <a:ext cx="0" cy="0"/>
-          <a:chOff x="0" y="0"/>
-          <a:chExt cx="0" cy="0"/>
-        </a:xfrm>
-      </p:grpSpPr>
-      <p:sp>
-        <p:nvSpPr>
-          <p:cNvPr id="2" name="Title 1">
-            <a:extLst>
-              <a:ext uri="{FF2B5EF4-FFF2-40B4-BE49-F238E27FC236}">
-                <a16:creationId xmlns:a16="http://schemas.microsoft.com/office/drawing/2014/main" id="{7E8C8F0A-3DC8-D1EA-1794-F003AC4CAA6F}"/>
-              </a:ext>
-            </a:extLst>
-          </p:cNvPr>
-          <p:cNvSpPr>
-            <a:spLocks noGrp="1"/>
-          </p:cNvSpPr>
-          <p:nvPr>
-            <p:ph type="title"/>
-          </p:nvPr>
-        </p:nvSpPr>
-        <p:spPr/>
-        <p:txBody>
-          <a:bodyPr>
-            <a:normAutofit/>
-          </a:bodyPr>
-          <a:lstStyle/>
-          <a:p>
-            <a:r>
-              <a:rPr lang="en-US" dirty="0">
-                <a:latin typeface="Aptos"/>
-              </a:rPr>
-              <a:t>Exploratory data analysis (EDA)</a:t>
-            </a:r>
-          </a:p>
-        </p:txBody>
-      </p:sp>
-      <p:sp>
-        <p:nvSpPr>
-          <p:cNvPr id="3" name="Content Placeholder 2">
-            <a:extLst>
-              <a:ext uri="{FF2B5EF4-FFF2-40B4-BE49-F238E27FC236}">
-                <a16:creationId xmlns:a16="http://schemas.microsoft.com/office/drawing/2014/main" id="{F33AAB21-0DEE-F27D-8863-CB061DF74378}"/>
-              </a:ext>
-            </a:extLst>
-          </p:cNvPr>
-          <p:cNvSpPr>
-            <a:spLocks noGrp="1"/>
-          </p:cNvSpPr>
-          <p:nvPr>
-            <p:ph idx="1"/>
-          </p:nvPr>
-        </p:nvSpPr>
-        <p:spPr/>
-        <p:txBody>
-          <a:bodyPr vert="horz" lIns="91440" tIns="45720" rIns="91440" bIns="45720" rtlCol="0" anchor="t">
-            <a:normAutofit/>
-          </a:bodyPr>
-          <a:lstStyle/>
-          <a:p>
-            <a:r>
-              <a:rPr lang="en-US" dirty="0"/>
-              <a:t>EDA</a:t>
-            </a:r>
-            <a:r>
-              <a:rPr lang="en-US" dirty="0">
-                <a:ea typeface="+mn-lt"/>
-                <a:cs typeface="+mn-lt"/>
-              </a:rPr>
-              <a:t> is used for</a:t>
-            </a:r>
-            <a:r>
-              <a:rPr lang="en-US" sz="2800" dirty="0">
-                <a:ea typeface="+mn-lt"/>
-                <a:cs typeface="+mn-lt"/>
-              </a:rPr>
-              <a:t> </a:t>
-            </a:r>
-            <a:r>
-              <a:rPr lang="en-US" dirty="0">
-                <a:ea typeface="+mn-lt"/>
-                <a:cs typeface="+mn-lt"/>
-              </a:rPr>
-              <a:t>analyzing datasets and summarizing their main characteristics</a:t>
-            </a:r>
-            <a:r>
-              <a:rPr lang="en-US" sz="2800" dirty="0">
-                <a:ea typeface="+mn-lt"/>
-                <a:cs typeface="+mn-lt"/>
-              </a:rPr>
-              <a:t>, </a:t>
-            </a:r>
-            <a:r>
-              <a:rPr lang="en-US" dirty="0">
-                <a:ea typeface="+mn-lt"/>
-                <a:cs typeface="+mn-lt"/>
-              </a:rPr>
-              <a:t>using statistical graphics or visualization methods</a:t>
-            </a:r>
-            <a:endParaRPr lang="en-US" dirty="0"/>
-          </a:p>
-          <a:p>
-            <a:r>
-              <a:rPr lang="en-US" dirty="0">
-                <a:ea typeface="+mn-lt"/>
-                <a:cs typeface="+mn-lt"/>
-              </a:rPr>
-              <a:t>EDA is for seeing what the data can tell</a:t>
-            </a:r>
-          </a:p>
-          <a:p>
-            <a:r>
-              <a:rPr lang="en-US" dirty="0"/>
-              <a:t>In the USA, and West Coast in particular,</a:t>
-            </a:r>
-            <a:br>
-              <a:rPr lang="en-US" dirty="0"/>
-            </a:br>
-            <a:r>
-              <a:rPr lang="en-US" dirty="0"/>
-              <a:t>people argue</a:t>
-            </a:r>
-            <a:r>
-              <a:rPr lang="en-US" dirty="0">
-                <a:ea typeface="+mn-lt"/>
-                <a:cs typeface="+mn-lt"/>
-              </a:rPr>
-              <a:t> about who has most rain</a:t>
-            </a:r>
-          </a:p>
-          <a:p>
-            <a:r>
-              <a:rPr lang="en-US" dirty="0">
-                <a:ea typeface="+mn-lt"/>
-                <a:cs typeface="+mn-lt"/>
-              </a:rPr>
-              <a:t>What about the East Coast?</a:t>
-            </a:r>
-            <a:br>
-              <a:rPr lang="en-US" dirty="0">
-                <a:ea typeface="+mn-lt"/>
-                <a:cs typeface="+mn-lt"/>
-              </a:rPr>
-            </a:br>
-            <a:r>
-              <a:rPr lang="en-US" dirty="0">
-                <a:ea typeface="+mn-lt"/>
-                <a:cs typeface="+mn-lt"/>
-              </a:rPr>
-              <a:t>We want to see if it rains more </a:t>
-            </a:r>
-            <a:br>
-              <a:rPr lang="en-US" dirty="0">
-                <a:ea typeface="+mn-lt"/>
-                <a:cs typeface="+mn-lt"/>
-              </a:rPr>
-            </a:br>
-            <a:r>
-              <a:rPr lang="en-US" dirty="0">
-                <a:ea typeface="+mn-lt"/>
-                <a:cs typeface="+mn-lt"/>
-              </a:rPr>
-              <a:t>in Atlanta or Seattle</a:t>
-            </a:r>
-          </a:p>
-        </p:txBody>
-      </p:sp>
-      <p:pic>
-        <p:nvPicPr>
-          <p:cNvPr id="4" name="Picture 3" descr="A screenshot of a weather forecast&#10;&#10;AI-generated content may be incorrect.">
-            <a:extLst>
-              <a:ext uri="{FF2B5EF4-FFF2-40B4-BE49-F238E27FC236}">
-                <a16:creationId xmlns:a16="http://schemas.microsoft.com/office/drawing/2014/main" id="{33ECEA8B-4D30-7127-9BB2-6BFCDED318D3}"/>
-              </a:ext>
-            </a:extLst>
-          </p:cNvPr>
-          <p:cNvPicPr>
-            <a:picLocks noChangeAspect="1"/>
-          </p:cNvPicPr>
-          <p:nvPr/>
-        </p:nvPicPr>
-        <p:blipFill>
-          <a:blip r:embed="rId2"/>
-          <a:stretch>
-            <a:fillRect/>
-          </a:stretch>
-        </p:blipFill>
-        <p:spPr>
-          <a:xfrm>
-            <a:off x="7546122" y="2709487"/>
-            <a:ext cx="3810684" cy="3151268"/>
-          </a:xfrm>
-          <a:prstGeom prst="rect">
-            <a:avLst/>
-          </a:prstGeom>
-        </p:spPr>
-      </p:pic>
-      <p:pic>
-        <p:nvPicPr>
-          <p:cNvPr id="6" name="Picture 5" descr="A map of the united states&#10;&#10;AI-generated content may be incorrect.">
-            <a:extLst>
-              <a:ext uri="{FF2B5EF4-FFF2-40B4-BE49-F238E27FC236}">
-                <a16:creationId xmlns:a16="http://schemas.microsoft.com/office/drawing/2014/main" id="{151552C3-2F85-BE3E-E6D1-35C7CBBEF892}"/>
-              </a:ext>
-            </a:extLst>
-          </p:cNvPr>
-          <p:cNvPicPr>
-            <a:picLocks noChangeAspect="1"/>
-          </p:cNvPicPr>
-          <p:nvPr/>
-        </p:nvPicPr>
-        <p:blipFill>
-          <a:blip r:embed="rId3"/>
-          <a:srcRect l="-510" t="-72" r="36905" b="14272"/>
-          <a:stretch>
-            <a:fillRect/>
-          </a:stretch>
-        </p:blipFill>
-        <p:spPr>
-          <a:xfrm>
-            <a:off x="5717162" y="3996246"/>
-            <a:ext cx="2813761" cy="2176400"/>
-          </a:xfrm>
-          <a:prstGeom prst="rect">
-            <a:avLst/>
-          </a:prstGeom>
-        </p:spPr>
-      </p:pic>
-    </p:spTree>
-    <p:extLst>
-      <p:ext uri="{BB962C8B-B14F-4D97-AF65-F5344CB8AC3E}">
-        <p14:creationId xmlns:p14="http://schemas.microsoft.com/office/powerpoint/2010/main" val="3258540556"/>
       </p:ext>
     </p:extLst>
   </p:cSld>

--- a/DAY8/ML4HPC/slides/Magurele_3.pptx
+++ b/DAY8/ML4HPC/slides/Magurele_3.pptx
@@ -12,21 +12,15 @@
     <p:sldId id="261" r:id="rId6"/>
     <p:sldId id="262" r:id="rId7"/>
     <p:sldId id="263" r:id="rId8"/>
-    <p:sldId id="264" r:id="rId9"/>
-    <p:sldId id="265" r:id="rId10"/>
-    <p:sldId id="267" r:id="rId11"/>
-    <p:sldId id="268" r:id="rId12"/>
-    <p:sldId id="269" r:id="rId13"/>
-    <p:sldId id="270" r:id="rId14"/>
-    <p:sldId id="271" r:id="rId15"/>
-    <p:sldId id="272" r:id="rId16"/>
-    <p:sldId id="273" r:id="rId17"/>
-    <p:sldId id="277" r:id="rId18"/>
-    <p:sldId id="278" r:id="rId19"/>
-    <p:sldId id="279" r:id="rId20"/>
-    <p:sldId id="274" r:id="rId21"/>
-    <p:sldId id="276" r:id="rId22"/>
-    <p:sldId id="275" r:id="rId23"/>
+    <p:sldId id="268" r:id="rId9"/>
+    <p:sldId id="269" r:id="rId10"/>
+    <p:sldId id="270" r:id="rId11"/>
+    <p:sldId id="271" r:id="rId12"/>
+    <p:sldId id="272" r:id="rId13"/>
+    <p:sldId id="273" r:id="rId14"/>
+    <p:sldId id="274" r:id="rId15"/>
+    <p:sldId id="276" r:id="rId16"/>
+    <p:sldId id="275" r:id="rId17"/>
   </p:sldIdLst>
   <p:sldSz cx="12192000" cy="6858000"/>
   <p:notesSz cx="6858000" cy="9144000"/>
@@ -136,7 +130,9 @@
 <file path=ppt/revisionInfo.xml><?xml version="1.0" encoding="utf-8"?>
 <p1510:revInfo xmlns:a="http://schemas.openxmlformats.org/drawingml/2006/main" xmlns:r="http://schemas.openxmlformats.org/officeDocument/2006/relationships" xmlns:p1510="http://schemas.microsoft.com/office/powerpoint/2015/10/main">
   <p1510:revLst>
+    <p1510:client id="{8635E6F1-D8C2-898B-0EA2-A9673477E65D}" v="134" dt="2025-07-08T08:33:46.408"/>
     <p1510:client id="{AA467009-4335-E15A-ADDC-102EA5645565}" v="2424" dt="2025-07-07T04:44:20.805"/>
+    <p1510:client id="{C0342261-5050-C3E8-6570-C7609E4EDD60}" v="5" dt="2025-07-07T21:59:36.948"/>
   </p1510:revLst>
 </p1510:revInfo>
 </file>
@@ -272,7 +268,7 @@
           <a:p>
             <a:fld id="{846CE7D5-CF57-46EF-B807-FDD0502418D4}" type="datetimeFigureOut">
               <a:rPr lang="en-US" smtClean="0"/>
-              <a:t>7/6/2025</a:t>
+              <a:t>7/8/2025</a:t>
             </a:fld>
             <a:endParaRPr lang="en-US"/>
           </a:p>
@@ -442,7 +438,7 @@
           <a:p>
             <a:fld id="{846CE7D5-CF57-46EF-B807-FDD0502418D4}" type="datetimeFigureOut">
               <a:rPr lang="en-US" smtClean="0"/>
-              <a:t>7/6/2025</a:t>
+              <a:t>7/8/2025</a:t>
             </a:fld>
             <a:endParaRPr lang="en-US"/>
           </a:p>
@@ -622,7 +618,7 @@
           <a:p>
             <a:fld id="{846CE7D5-CF57-46EF-B807-FDD0502418D4}" type="datetimeFigureOut">
               <a:rPr lang="en-US" smtClean="0"/>
-              <a:t>7/6/2025</a:t>
+              <a:t>7/8/2025</a:t>
             </a:fld>
             <a:endParaRPr lang="en-US"/>
           </a:p>
@@ -792,7 +788,7 @@
           <a:p>
             <a:fld id="{846CE7D5-CF57-46EF-B807-FDD0502418D4}" type="datetimeFigureOut">
               <a:rPr lang="en-US" smtClean="0"/>
-              <a:t>7/6/2025</a:t>
+              <a:t>7/8/2025</a:t>
             </a:fld>
             <a:endParaRPr lang="en-US"/>
           </a:p>
@@ -1038,7 +1034,7 @@
           <a:p>
             <a:fld id="{846CE7D5-CF57-46EF-B807-FDD0502418D4}" type="datetimeFigureOut">
               <a:rPr lang="en-US" smtClean="0"/>
-              <a:t>7/6/2025</a:t>
+              <a:t>7/8/2025</a:t>
             </a:fld>
             <a:endParaRPr lang="en-US"/>
           </a:p>
@@ -1270,7 +1266,7 @@
           <a:p>
             <a:fld id="{846CE7D5-CF57-46EF-B807-FDD0502418D4}" type="datetimeFigureOut">
               <a:rPr lang="en-US" smtClean="0"/>
-              <a:t>7/6/2025</a:t>
+              <a:t>7/8/2025</a:t>
             </a:fld>
             <a:endParaRPr lang="en-US"/>
           </a:p>
@@ -1637,7 +1633,7 @@
           <a:p>
             <a:fld id="{846CE7D5-CF57-46EF-B807-FDD0502418D4}" type="datetimeFigureOut">
               <a:rPr lang="en-US" smtClean="0"/>
-              <a:t>7/6/2025</a:t>
+              <a:t>7/8/2025</a:t>
             </a:fld>
             <a:endParaRPr lang="en-US"/>
           </a:p>
@@ -1755,7 +1751,7 @@
           <a:p>
             <a:fld id="{846CE7D5-CF57-46EF-B807-FDD0502418D4}" type="datetimeFigureOut">
               <a:rPr lang="en-US" smtClean="0"/>
-              <a:t>7/6/2025</a:t>
+              <a:t>7/8/2025</a:t>
             </a:fld>
             <a:endParaRPr lang="en-US"/>
           </a:p>
@@ -1850,7 +1846,7 @@
           <a:p>
             <a:fld id="{846CE7D5-CF57-46EF-B807-FDD0502418D4}" type="datetimeFigureOut">
               <a:rPr lang="en-US" smtClean="0"/>
-              <a:t>7/6/2025</a:t>
+              <a:t>7/8/2025</a:t>
             </a:fld>
             <a:endParaRPr lang="en-US"/>
           </a:p>
@@ -2127,7 +2123,7 @@
           <a:p>
             <a:fld id="{846CE7D5-CF57-46EF-B807-FDD0502418D4}" type="datetimeFigureOut">
               <a:rPr lang="en-US" smtClean="0"/>
-              <a:t>7/6/2025</a:t>
+              <a:t>7/8/2025</a:t>
             </a:fld>
             <a:endParaRPr lang="en-US"/>
           </a:p>
@@ -2384,7 +2380,7 @@
           <a:p>
             <a:fld id="{846CE7D5-CF57-46EF-B807-FDD0502418D4}" type="datetimeFigureOut">
               <a:rPr lang="en-US" smtClean="0"/>
-              <a:t>7/6/2025</a:t>
+              <a:t>7/8/2025</a:t>
             </a:fld>
             <a:endParaRPr lang="en-US"/>
           </a:p>
@@ -2597,7 +2593,7 @@
           <a:p>
             <a:fld id="{846CE7D5-CF57-46EF-B807-FDD0502418D4}" type="datetimeFigureOut">
               <a:rPr lang="en-US" smtClean="0"/>
-              <a:t>7/6/2025</a:t>
+              <a:t>7/8/2025</a:t>
             </a:fld>
             <a:endParaRPr lang="en-US"/>
           </a:p>
@@ -3126,571 +3122,6 @@
         <p:cNvPr id="1" name="">
           <a:extLst>
             <a:ext uri="{FF2B5EF4-FFF2-40B4-BE49-F238E27FC236}">
-              <a16:creationId xmlns:a16="http://schemas.microsoft.com/office/drawing/2014/main" id="{F9750604-F3F7-2623-67C2-BCA533444896}"/>
-            </a:ext>
-          </a:extLst>
-        </p:cNvPr>
-        <p:cNvGrpSpPr/>
-        <p:nvPr/>
-      </p:nvGrpSpPr>
-      <p:grpSpPr>
-        <a:xfrm>
-          <a:off x="0" y="0"/>
-          <a:ext cx="0" cy="0"/>
-          <a:chOff x="0" y="0"/>
-          <a:chExt cx="0" cy="0"/>
-        </a:xfrm>
-      </p:grpSpPr>
-      <p:sp>
-        <p:nvSpPr>
-          <p:cNvPr id="2" name="Title 1">
-            <a:extLst>
-              <a:ext uri="{FF2B5EF4-FFF2-40B4-BE49-F238E27FC236}">
-                <a16:creationId xmlns:a16="http://schemas.microsoft.com/office/drawing/2014/main" id="{2B640FBE-7D01-8320-BBC0-AB9B7F18830A}"/>
-              </a:ext>
-            </a:extLst>
-          </p:cNvPr>
-          <p:cNvSpPr>
-            <a:spLocks noGrp="1"/>
-          </p:cNvSpPr>
-          <p:nvPr>
-            <p:ph type="title"/>
-          </p:nvPr>
-        </p:nvSpPr>
-        <p:spPr/>
-        <p:txBody>
-          <a:bodyPr>
-            <a:normAutofit/>
-          </a:bodyPr>
-          <a:lstStyle/>
-          <a:p>
-            <a:r>
-              <a:rPr lang="en-US" dirty="0">
-                <a:latin typeface="Aptos"/>
-              </a:rPr>
-              <a:t>RAPIDS and </a:t>
-            </a:r>
-            <a:r>
-              <a:rPr lang="en-US" dirty="0" err="1">
-                <a:latin typeface="Aptos"/>
-              </a:rPr>
-              <a:t>XGBoost</a:t>
-            </a:r>
-            <a:endParaRPr lang="en-US" dirty="0" err="1"/>
-          </a:p>
-        </p:txBody>
-      </p:sp>
-      <p:sp>
-        <p:nvSpPr>
-          <p:cNvPr id="3" name="Content Placeholder 2">
-            <a:extLst>
-              <a:ext uri="{FF2B5EF4-FFF2-40B4-BE49-F238E27FC236}">
-                <a16:creationId xmlns:a16="http://schemas.microsoft.com/office/drawing/2014/main" id="{71DB251A-5D20-0671-3B42-2E832B903A2C}"/>
-              </a:ext>
-            </a:extLst>
-          </p:cNvPr>
-          <p:cNvSpPr>
-            <a:spLocks noGrp="1"/>
-          </p:cNvSpPr>
-          <p:nvPr>
-            <p:ph idx="1"/>
-          </p:nvPr>
-        </p:nvSpPr>
-        <p:spPr/>
-        <p:txBody>
-          <a:bodyPr vert="horz" lIns="91440" tIns="45720" rIns="91440" bIns="45720" rtlCol="0" anchor="t">
-            <a:noAutofit/>
-          </a:bodyPr>
-          <a:lstStyle/>
-          <a:p>
-            <a:pPr>
-              <a:buFont typeface="Arial"/>
-              <a:buChar char="•"/>
-            </a:pPr>
-            <a:r>
-              <a:rPr lang="en-US" dirty="0">
-                <a:ea typeface="+mn-lt"/>
-                <a:cs typeface="+mn-lt"/>
-              </a:rPr>
-              <a:t>RAPIDS works closely with the </a:t>
-            </a:r>
-            <a:r>
-              <a:rPr lang="en-US" dirty="0" err="1">
-                <a:ea typeface="+mn-lt"/>
-                <a:cs typeface="+mn-lt"/>
-              </a:rPr>
-              <a:t>XGBoost</a:t>
-            </a:r>
-            <a:r>
-              <a:rPr lang="en-US" dirty="0">
-                <a:ea typeface="+mn-lt"/>
-                <a:cs typeface="+mn-lt"/>
-              </a:rPr>
-              <a:t> community to </a:t>
-            </a:r>
-            <a:r>
-              <a:rPr lang="en-US" dirty="0" err="1">
-                <a:ea typeface="+mn-lt"/>
-                <a:cs typeface="+mn-lt"/>
-              </a:rPr>
-              <a:t>accelerateGradient</a:t>
-            </a:r>
-            <a:r>
-              <a:rPr lang="en-US" dirty="0">
-                <a:ea typeface="+mn-lt"/>
-                <a:cs typeface="+mn-lt"/>
-              </a:rPr>
-              <a:t> Boosted Decision Trees on GPU on GPU</a:t>
-            </a:r>
-            <a:endParaRPr lang="en-US" dirty="0"/>
-          </a:p>
-          <a:p>
-            <a:pPr>
-              <a:buFont typeface="Arial"/>
-              <a:buChar char="•"/>
-            </a:pPr>
-            <a:r>
-              <a:rPr lang="en-US" dirty="0" err="1">
-                <a:ea typeface="+mn-lt"/>
-                <a:cs typeface="+mn-lt"/>
-              </a:rPr>
-              <a:t>XGBoost</a:t>
-            </a:r>
-            <a:r>
-              <a:rPr lang="en-US" dirty="0">
-                <a:ea typeface="+mn-lt"/>
-                <a:cs typeface="+mn-lt"/>
-              </a:rPr>
-              <a:t> can load data from </a:t>
-            </a:r>
-            <a:r>
-              <a:rPr lang="en-US" dirty="0" err="1">
-                <a:ea typeface="+mn-lt"/>
-                <a:cs typeface="+mn-lt"/>
-              </a:rPr>
-              <a:t>cuDF</a:t>
-            </a:r>
-            <a:r>
-              <a:rPr lang="en-US" dirty="0">
-                <a:ea typeface="+mn-lt"/>
-                <a:cs typeface="+mn-lt"/>
-              </a:rPr>
-              <a:t> </a:t>
-            </a:r>
-            <a:r>
-              <a:rPr lang="en-US" dirty="0" err="1">
-                <a:ea typeface="+mn-lt"/>
-                <a:cs typeface="+mn-lt"/>
-              </a:rPr>
-              <a:t>dataframes</a:t>
-            </a:r>
-            <a:r>
-              <a:rPr lang="en-US" dirty="0">
-                <a:ea typeface="+mn-lt"/>
-                <a:cs typeface="+mn-lt"/>
-              </a:rPr>
-              <a:t> and </a:t>
-            </a:r>
-            <a:r>
-              <a:rPr lang="en-US" dirty="0" err="1">
-                <a:ea typeface="+mn-lt"/>
-                <a:cs typeface="+mn-lt"/>
-              </a:rPr>
-              <a:t>cuPy</a:t>
-            </a:r>
-            <a:r>
-              <a:rPr lang="en-US" dirty="0">
-                <a:ea typeface="+mn-lt"/>
-                <a:cs typeface="+mn-lt"/>
-              </a:rPr>
-              <a:t> arrays</a:t>
-            </a:r>
-            <a:endParaRPr lang="en-US" dirty="0"/>
-          </a:p>
-          <a:p>
-            <a:pPr>
-              <a:buFont typeface="Arial"/>
-              <a:buChar char="•"/>
-            </a:pPr>
-            <a:r>
-              <a:rPr lang="en-US" dirty="0" err="1">
-                <a:ea typeface="+mn-lt"/>
-                <a:cs typeface="+mn-lt"/>
-              </a:rPr>
-              <a:t>Dask</a:t>
-            </a:r>
-            <a:r>
-              <a:rPr lang="en-US" dirty="0">
-                <a:ea typeface="+mn-lt"/>
-                <a:cs typeface="+mn-lt"/>
-              </a:rPr>
-              <a:t> allows </a:t>
-            </a:r>
-            <a:r>
-              <a:rPr lang="en-US" dirty="0" err="1">
-                <a:ea typeface="+mn-lt"/>
-                <a:cs typeface="+mn-lt"/>
-              </a:rPr>
-              <a:t>XGBoost</a:t>
-            </a:r>
-            <a:r>
-              <a:rPr lang="en-US" dirty="0">
-                <a:ea typeface="+mn-lt"/>
-                <a:cs typeface="+mn-lt"/>
-              </a:rPr>
-              <a:t> to scale to arbitrary numbers of GPUs</a:t>
-            </a:r>
-            <a:endParaRPr lang="en-US" dirty="0"/>
-          </a:p>
-          <a:p>
-            <a:pPr>
-              <a:buFont typeface="Arial"/>
-              <a:buChar char="•"/>
-            </a:pPr>
-            <a:endParaRPr lang="en-US" dirty="0"/>
-          </a:p>
-        </p:txBody>
-      </p:sp>
-      <p:pic>
-        <p:nvPicPr>
-          <p:cNvPr id="4" name="Picture 3" descr="A purple rectangle and blue x">
-            <a:extLst>
-              <a:ext uri="{FF2B5EF4-FFF2-40B4-BE49-F238E27FC236}">
-                <a16:creationId xmlns:a16="http://schemas.microsoft.com/office/drawing/2014/main" id="{01528CE0-7D5E-C360-B3AD-50E4C48A7A4D}"/>
-              </a:ext>
-            </a:extLst>
-          </p:cNvPr>
-          <p:cNvPicPr>
-            <a:picLocks noChangeAspect="1"/>
-          </p:cNvPicPr>
-          <p:nvPr/>
-        </p:nvPicPr>
-        <p:blipFill>
-          <a:blip r:embed="rId2"/>
-          <a:stretch>
-            <a:fillRect/>
-          </a:stretch>
-        </p:blipFill>
-        <p:spPr>
-          <a:xfrm>
-            <a:off x="1790700" y="3999442"/>
-            <a:ext cx="8610600" cy="2076450"/>
-          </a:xfrm>
-          <a:prstGeom prst="rect">
-            <a:avLst/>
-          </a:prstGeom>
-        </p:spPr>
-      </p:pic>
-    </p:spTree>
-    <p:extLst>
-      <p:ext uri="{BB962C8B-B14F-4D97-AF65-F5344CB8AC3E}">
-        <p14:creationId xmlns:p14="http://schemas.microsoft.com/office/powerpoint/2010/main" val="456467377"/>
-      </p:ext>
-    </p:extLst>
-  </p:cSld>
-  <p:clrMapOvr>
-    <a:masterClrMapping/>
-  </p:clrMapOvr>
-</p:sld>
-</file>
-
-<file path=ppt/slides/slide11.xml><?xml version="1.0" encoding="utf-8"?>
-<p:sld xmlns:a="http://schemas.openxmlformats.org/drawingml/2006/main" xmlns:r="http://schemas.openxmlformats.org/officeDocument/2006/relationships" xmlns:p="http://schemas.openxmlformats.org/presentationml/2006/main">
-  <p:cSld>
-    <p:spTree>
-      <p:nvGrpSpPr>
-        <p:cNvPr id="1" name="">
-          <a:extLst>
-            <a:ext uri="{FF2B5EF4-FFF2-40B4-BE49-F238E27FC236}">
-              <a16:creationId xmlns:a16="http://schemas.microsoft.com/office/drawing/2014/main" id="{5B3334DC-E664-103F-766D-5DBB5D7FD193}"/>
-            </a:ext>
-          </a:extLst>
-        </p:cNvPr>
-        <p:cNvGrpSpPr/>
-        <p:nvPr/>
-      </p:nvGrpSpPr>
-      <p:grpSpPr>
-        <a:xfrm>
-          <a:off x="0" y="0"/>
-          <a:ext cx="0" cy="0"/>
-          <a:chOff x="0" y="0"/>
-          <a:chExt cx="0" cy="0"/>
-        </a:xfrm>
-      </p:grpSpPr>
-      <p:sp>
-        <p:nvSpPr>
-          <p:cNvPr id="2" name="Title 1">
-            <a:extLst>
-              <a:ext uri="{FF2B5EF4-FFF2-40B4-BE49-F238E27FC236}">
-                <a16:creationId xmlns:a16="http://schemas.microsoft.com/office/drawing/2014/main" id="{3EA09B58-370D-9B60-F862-A9E519CB7DCE}"/>
-              </a:ext>
-            </a:extLst>
-          </p:cNvPr>
-          <p:cNvSpPr>
-            <a:spLocks noGrp="1"/>
-          </p:cNvSpPr>
-          <p:nvPr>
-            <p:ph type="title"/>
-          </p:nvPr>
-        </p:nvSpPr>
-        <p:spPr/>
-        <p:txBody>
-          <a:bodyPr>
-            <a:normAutofit/>
-          </a:bodyPr>
-          <a:lstStyle/>
-          <a:p>
-            <a:r>
-              <a:rPr lang="en-US" dirty="0">
-                <a:ea typeface="+mj-lt"/>
-                <a:cs typeface="+mj-lt"/>
-              </a:rPr>
-              <a:t>Searching for Exotic Particles in High-Energy Physics with Deep Learning</a:t>
-            </a:r>
-            <a:endParaRPr lang="en-US" dirty="0"/>
-          </a:p>
-        </p:txBody>
-      </p:sp>
-      <p:pic>
-        <p:nvPicPr>
-          <p:cNvPr id="5" name="Content Placeholder 4" descr="A text on a page">
-            <a:extLst>
-              <a:ext uri="{FF2B5EF4-FFF2-40B4-BE49-F238E27FC236}">
-                <a16:creationId xmlns:a16="http://schemas.microsoft.com/office/drawing/2014/main" id="{9125F38D-E112-37EE-C6E5-68343795B79C}"/>
-              </a:ext>
-            </a:extLst>
-          </p:cNvPr>
-          <p:cNvPicPr>
-            <a:picLocks noGrp="1" noChangeAspect="1"/>
-          </p:cNvPicPr>
-          <p:nvPr>
-            <p:ph idx="1"/>
-          </p:nvPr>
-        </p:nvPicPr>
-        <p:blipFill>
-          <a:blip r:embed="rId2"/>
-          <a:stretch>
-            <a:fillRect/>
-          </a:stretch>
-        </p:blipFill>
-        <p:spPr>
-          <a:xfrm>
-            <a:off x="1411574" y="1969633"/>
-            <a:ext cx="9368852" cy="3900928"/>
-          </a:xfrm>
-          <a:prstGeom prst="rect">
-            <a:avLst/>
-          </a:prstGeom>
-        </p:spPr>
-      </p:pic>
-    </p:spTree>
-    <p:extLst>
-      <p:ext uri="{BB962C8B-B14F-4D97-AF65-F5344CB8AC3E}">
-        <p14:creationId xmlns:p14="http://schemas.microsoft.com/office/powerpoint/2010/main" val="1484700527"/>
-      </p:ext>
-    </p:extLst>
-  </p:cSld>
-  <p:clrMapOvr>
-    <a:masterClrMapping/>
-  </p:clrMapOvr>
-</p:sld>
-</file>
-
-<file path=ppt/slides/slide12.xml><?xml version="1.0" encoding="utf-8"?>
-<p:sld xmlns:a="http://schemas.openxmlformats.org/drawingml/2006/main" xmlns:r="http://schemas.openxmlformats.org/officeDocument/2006/relationships" xmlns:p="http://schemas.openxmlformats.org/presentationml/2006/main">
-  <p:cSld>
-    <p:spTree>
-      <p:nvGrpSpPr>
-        <p:cNvPr id="1" name="">
-          <a:extLst>
-            <a:ext uri="{FF2B5EF4-FFF2-40B4-BE49-F238E27FC236}">
-              <a16:creationId xmlns:a16="http://schemas.microsoft.com/office/drawing/2014/main" id="{04BC0716-DFA3-4AA8-7AFD-AA240FB6E7D3}"/>
-            </a:ext>
-          </a:extLst>
-        </p:cNvPr>
-        <p:cNvGrpSpPr/>
-        <p:nvPr/>
-      </p:nvGrpSpPr>
-      <p:grpSpPr>
-        <a:xfrm>
-          <a:off x="0" y="0"/>
-          <a:ext cx="0" cy="0"/>
-          <a:chOff x="0" y="0"/>
-          <a:chExt cx="0" cy="0"/>
-        </a:xfrm>
-      </p:grpSpPr>
-      <p:sp>
-        <p:nvSpPr>
-          <p:cNvPr id="2" name="Title 1">
-            <a:extLst>
-              <a:ext uri="{FF2B5EF4-FFF2-40B4-BE49-F238E27FC236}">
-                <a16:creationId xmlns:a16="http://schemas.microsoft.com/office/drawing/2014/main" id="{F04432EF-201F-2F5C-2718-4D43AF62A4C6}"/>
-              </a:ext>
-            </a:extLst>
-          </p:cNvPr>
-          <p:cNvSpPr>
-            <a:spLocks noGrp="1"/>
-          </p:cNvSpPr>
-          <p:nvPr>
-            <p:ph type="title"/>
-          </p:nvPr>
-        </p:nvSpPr>
-        <p:spPr/>
-        <p:txBody>
-          <a:bodyPr>
-            <a:normAutofit/>
-          </a:bodyPr>
-          <a:lstStyle/>
-          <a:p>
-            <a:r>
-              <a:rPr lang="en-US" dirty="0">
-                <a:ea typeface="+mj-lt"/>
-                <a:cs typeface="+mj-lt"/>
-              </a:rPr>
-              <a:t>Higgs boson</a:t>
-            </a:r>
-            <a:endParaRPr lang="en-US" dirty="0"/>
-          </a:p>
-        </p:txBody>
-      </p:sp>
-      <p:sp>
-        <p:nvSpPr>
-          <p:cNvPr id="4" name="Content Placeholder 3">
-            <a:extLst>
-              <a:ext uri="{FF2B5EF4-FFF2-40B4-BE49-F238E27FC236}">
-                <a16:creationId xmlns:a16="http://schemas.microsoft.com/office/drawing/2014/main" id="{FF71C3D2-D596-A281-79CA-3CEEC93B374B}"/>
-              </a:ext>
-            </a:extLst>
-          </p:cNvPr>
-          <p:cNvSpPr>
-            <a:spLocks noGrp="1"/>
-          </p:cNvSpPr>
-          <p:nvPr>
-            <p:ph idx="1"/>
-          </p:nvPr>
-        </p:nvSpPr>
-        <p:spPr>
-          <a:xfrm>
-            <a:off x="838200" y="1825625"/>
-            <a:ext cx="6463696" cy="4351338"/>
-          </a:xfrm>
-        </p:spPr>
-        <p:txBody>
-          <a:bodyPr vert="horz" lIns="91440" tIns="45720" rIns="91440" bIns="45720" rtlCol="0" anchor="t">
-            <a:normAutofit/>
-          </a:bodyPr>
-          <a:lstStyle/>
-          <a:p>
-            <a:r>
-              <a:rPr lang="en-US" dirty="0">
-                <a:ea typeface="+mn-lt"/>
-                <a:cs typeface="+mn-lt"/>
-              </a:rPr>
-              <a:t>The field of high energy physics is devoted to the study of the elementary constituents of matter. </a:t>
-            </a:r>
-          </a:p>
-          <a:p>
-            <a:r>
-              <a:rPr lang="en-US" dirty="0">
-                <a:ea typeface="+mn-lt"/>
-                <a:cs typeface="+mn-lt"/>
-              </a:rPr>
-              <a:t>The primary tools of high energy physicists are accelerators, which collide protons and/or antiprotons to create exotic particles. </a:t>
-            </a:r>
-          </a:p>
-          <a:p>
-            <a:r>
-              <a:rPr lang="en-US" dirty="0">
-                <a:ea typeface="+mn-lt"/>
-                <a:cs typeface="+mn-lt"/>
-              </a:rPr>
-              <a:t>Discoveries require powerful statistical methods, and machine learning tools play a critical role. </a:t>
-            </a:r>
-            <a:endParaRPr lang="en-US"/>
-          </a:p>
-        </p:txBody>
-      </p:sp>
-      <p:pic>
-        <p:nvPicPr>
-          <p:cNvPr id="8" name="Picture 7" descr="An aerial view of a landscape">
-            <a:extLst>
-              <a:ext uri="{FF2B5EF4-FFF2-40B4-BE49-F238E27FC236}">
-                <a16:creationId xmlns:a16="http://schemas.microsoft.com/office/drawing/2014/main" id="{816A4D3D-6246-A67B-DF4C-210BE3A3857C}"/>
-              </a:ext>
-            </a:extLst>
-          </p:cNvPr>
-          <p:cNvPicPr>
-            <a:picLocks noChangeAspect="1"/>
-          </p:cNvPicPr>
-          <p:nvPr/>
-        </p:nvPicPr>
-        <p:blipFill>
-          <a:blip r:embed="rId2"/>
-          <a:stretch>
-            <a:fillRect/>
-          </a:stretch>
-        </p:blipFill>
-        <p:spPr>
-          <a:xfrm>
-            <a:off x="7161769" y="1693332"/>
-            <a:ext cx="4197247" cy="2310985"/>
-          </a:xfrm>
-          <a:prstGeom prst="rect">
-            <a:avLst/>
-          </a:prstGeom>
-        </p:spPr>
-      </p:pic>
-      <p:pic>
-        <p:nvPicPr>
-          <p:cNvPr id="9" name="Picture 8" descr="A large blue tube with white text&#10;&#10;AI-generated content may be incorrect.">
-            <a:extLst>
-              <a:ext uri="{FF2B5EF4-FFF2-40B4-BE49-F238E27FC236}">
-                <a16:creationId xmlns:a16="http://schemas.microsoft.com/office/drawing/2014/main" id="{AD7D8FEE-4F9C-6C34-076F-2F82420B1F0E}"/>
-              </a:ext>
-            </a:extLst>
-          </p:cNvPr>
-          <p:cNvPicPr>
-            <a:picLocks noChangeAspect="1"/>
-          </p:cNvPicPr>
-          <p:nvPr/>
-        </p:nvPicPr>
-        <p:blipFill>
-          <a:blip r:embed="rId3"/>
-          <a:stretch>
-            <a:fillRect/>
-          </a:stretch>
-        </p:blipFill>
-        <p:spPr>
-          <a:xfrm>
-            <a:off x="7580026" y="3859967"/>
-            <a:ext cx="3777522" cy="2310984"/>
-          </a:xfrm>
-          <a:prstGeom prst="rect">
-            <a:avLst/>
-          </a:prstGeom>
-        </p:spPr>
-      </p:pic>
-    </p:spTree>
-    <p:extLst>
-      <p:ext uri="{BB962C8B-B14F-4D97-AF65-F5344CB8AC3E}">
-        <p14:creationId xmlns:p14="http://schemas.microsoft.com/office/powerpoint/2010/main" val="48348766"/>
-      </p:ext>
-    </p:extLst>
-  </p:cSld>
-  <p:clrMapOvr>
-    <a:masterClrMapping/>
-  </p:clrMapOvr>
-</p:sld>
-</file>
-
-<file path=ppt/slides/slide13.xml><?xml version="1.0" encoding="utf-8"?>
-<p:sld xmlns:a="http://schemas.openxmlformats.org/drawingml/2006/main" xmlns:r="http://schemas.openxmlformats.org/officeDocument/2006/relationships" xmlns:p="http://schemas.openxmlformats.org/presentationml/2006/main">
-  <p:cSld>
-    <p:spTree>
-      <p:nvGrpSpPr>
-        <p:cNvPr id="1" name="">
-          <a:extLst>
-            <a:ext uri="{FF2B5EF4-FFF2-40B4-BE49-F238E27FC236}">
               <a16:creationId xmlns:a16="http://schemas.microsoft.com/office/drawing/2014/main" id="{A4EA5787-34A1-6283-8C79-665FB6A7630D}"/>
             </a:ext>
           </a:extLst>
@@ -3882,7 +3313,7 @@
 </p:sld>
 </file>
 
-<file path=ppt/slides/slide14.xml><?xml version="1.0" encoding="utf-8"?>
+<file path=ppt/slides/slide11.xml><?xml version="1.0" encoding="utf-8"?>
 <p:sld xmlns:a="http://schemas.openxmlformats.org/drawingml/2006/main" xmlns:r="http://schemas.openxmlformats.org/officeDocument/2006/relationships" xmlns:p="http://schemas.openxmlformats.org/presentationml/2006/main">
   <p:cSld>
     <p:spTree>
@@ -4131,7 +3562,7 @@
 </p:sld>
 </file>
 
-<file path=ppt/slides/slide15.xml><?xml version="1.0" encoding="utf-8"?>
+<file path=ppt/slides/slide12.xml><?xml version="1.0" encoding="utf-8"?>
 <p:sld xmlns:a="http://schemas.openxmlformats.org/drawingml/2006/main" xmlns:r="http://schemas.openxmlformats.org/officeDocument/2006/relationships" xmlns:p="http://schemas.openxmlformats.org/presentationml/2006/main">
   <p:cSld>
     <p:spTree>
@@ -4274,7 +3705,7 @@
 </p:sld>
 </file>
 
-<file path=ppt/slides/slide16.xml><?xml version="1.0" encoding="utf-8"?>
+<file path=ppt/slides/slide13.xml><?xml version="1.0" encoding="utf-8"?>
 <p:sld xmlns:a="http://schemas.openxmlformats.org/drawingml/2006/main" xmlns:r="http://schemas.openxmlformats.org/officeDocument/2006/relationships" xmlns:p="http://schemas.openxmlformats.org/presentationml/2006/main">
   <p:cSld>
     <p:spTree>
@@ -4434,833 +3865,7 @@
 </p:sld>
 </file>
 
-<file path=ppt/slides/slide17.xml><?xml version="1.0" encoding="utf-8"?>
-<p:sld xmlns:a="http://schemas.openxmlformats.org/drawingml/2006/main" xmlns:r="http://schemas.openxmlformats.org/officeDocument/2006/relationships" xmlns:p="http://schemas.openxmlformats.org/presentationml/2006/main">
-  <p:cSld>
-    <p:spTree>
-      <p:nvGrpSpPr>
-        <p:cNvPr id="1" name="">
-          <a:extLst>
-            <a:ext uri="{FF2B5EF4-FFF2-40B4-BE49-F238E27FC236}">
-              <a16:creationId xmlns:a16="http://schemas.microsoft.com/office/drawing/2014/main" id="{E75437CC-DD91-4112-BD45-E0579E37B41F}"/>
-            </a:ext>
-          </a:extLst>
-        </p:cNvPr>
-        <p:cNvGrpSpPr/>
-        <p:nvPr/>
-      </p:nvGrpSpPr>
-      <p:grpSpPr>
-        <a:xfrm>
-          <a:off x="0" y="0"/>
-          <a:ext cx="0" cy="0"/>
-          <a:chOff x="0" y="0"/>
-          <a:chExt cx="0" cy="0"/>
-        </a:xfrm>
-      </p:grpSpPr>
-      <p:sp>
-        <p:nvSpPr>
-          <p:cNvPr id="2" name="Title 1">
-            <a:extLst>
-              <a:ext uri="{FF2B5EF4-FFF2-40B4-BE49-F238E27FC236}">
-                <a16:creationId xmlns:a16="http://schemas.microsoft.com/office/drawing/2014/main" id="{268CCDB1-FBE9-FF2A-445B-7A09A702C2B2}"/>
-              </a:ext>
-            </a:extLst>
-          </p:cNvPr>
-          <p:cNvSpPr>
-            <a:spLocks noGrp="1"/>
-          </p:cNvSpPr>
-          <p:nvPr>
-            <p:ph type="title"/>
-          </p:nvPr>
-        </p:nvSpPr>
-        <p:spPr/>
-        <p:txBody>
-          <a:bodyPr>
-            <a:normAutofit/>
-          </a:bodyPr>
-          <a:lstStyle/>
-          <a:p>
-            <a:r>
-              <a:rPr lang="en-US" dirty="0"/>
-              <a:t>Threshold for binary classifier</a:t>
-            </a:r>
-          </a:p>
-        </p:txBody>
-      </p:sp>
-      <p:sp>
-        <p:nvSpPr>
-          <p:cNvPr id="4" name="Content Placeholder 3">
-            <a:extLst>
-              <a:ext uri="{FF2B5EF4-FFF2-40B4-BE49-F238E27FC236}">
-                <a16:creationId xmlns:a16="http://schemas.microsoft.com/office/drawing/2014/main" id="{98C7C446-0EFF-A1E7-E398-F7E65A2F91C1}"/>
-              </a:ext>
-            </a:extLst>
-          </p:cNvPr>
-          <p:cNvSpPr>
-            <a:spLocks noGrp="1"/>
-          </p:cNvSpPr>
-          <p:nvPr>
-            <p:ph idx="1"/>
-          </p:nvPr>
-        </p:nvSpPr>
-        <p:spPr/>
-        <p:txBody>
-          <a:bodyPr vert="horz" lIns="91440" tIns="45720" rIns="91440" bIns="45720" rtlCol="0" anchor="t">
-            <a:normAutofit fontScale="92500" lnSpcReduction="20000"/>
-          </a:bodyPr>
-          <a:lstStyle/>
-          <a:p>
-            <a:r>
-              <a:rPr lang="en-US" dirty="0">
-                <a:ea typeface="+mn-lt"/>
-                <a:cs typeface="+mn-lt"/>
-              </a:rPr>
-              <a:t>When we are predicting the probability of an instance belonging to a particular class, a threshold determines at what probability you classify an instance as the positive class (1) or the negative class (0).</a:t>
-            </a:r>
-            <a:endParaRPr lang="en-US"/>
-          </a:p>
-          <a:p>
-            <a:r>
-              <a:rPr lang="en-US" dirty="0">
-                <a:ea typeface="+mn-lt"/>
-                <a:cs typeface="+mn-lt"/>
-              </a:rPr>
-              <a:t>The Higgs classifier decides whether an event involves the Higgs boson or the background. The model computes a score (probability) for each event, representing the likelihood it's a Higgs.</a:t>
-            </a:r>
-            <a:endParaRPr lang="en-US" dirty="0"/>
-          </a:p>
-          <a:p>
-            <a:r>
-              <a:rPr lang="en-US" dirty="0">
-                <a:ea typeface="+mn-lt"/>
-                <a:cs typeface="+mn-lt"/>
-              </a:rPr>
-              <a:t>If we set </a:t>
-            </a:r>
-            <a:r>
-              <a:rPr lang="en-US" b="1" i="1" dirty="0">
-                <a:ea typeface="+mn-lt"/>
-                <a:cs typeface="+mn-lt"/>
-              </a:rPr>
-              <a:t>a high threshold</a:t>
-            </a:r>
-            <a:r>
-              <a:rPr lang="en-US" dirty="0">
-                <a:ea typeface="+mn-lt"/>
-                <a:cs typeface="+mn-lt"/>
-              </a:rPr>
-              <a:t>, the model will only mark very obvious Higgs events, ensuring background events are not accidentally confused as Higgs events. This might mean some less-obvious Higgs events be classified as background.</a:t>
-            </a:r>
-            <a:endParaRPr lang="en-US" dirty="0"/>
-          </a:p>
-          <a:p>
-            <a:r>
-              <a:rPr lang="en-US" dirty="0">
-                <a:ea typeface="+mn-lt"/>
-                <a:cs typeface="+mn-lt"/>
-              </a:rPr>
-              <a:t>On the other hand, if you set a </a:t>
-            </a:r>
-            <a:r>
-              <a:rPr lang="en-US" b="1" i="1" dirty="0">
-                <a:ea typeface="+mn-lt"/>
-                <a:cs typeface="+mn-lt"/>
-              </a:rPr>
-              <a:t>lower threshold</a:t>
-            </a:r>
-            <a:r>
-              <a:rPr lang="en-US" dirty="0">
-                <a:ea typeface="+mn-lt"/>
-                <a:cs typeface="+mn-lt"/>
-              </a:rPr>
-              <a:t>, the filter will catch a broader range of Higgs event, but there's also a higher chance it might incorrectly classify a background event as Higgs.</a:t>
-            </a:r>
-            <a:endParaRPr lang="en-US" dirty="0"/>
-          </a:p>
-          <a:p>
-            <a:endParaRPr lang="en-US" dirty="0"/>
-          </a:p>
-        </p:txBody>
-      </p:sp>
-    </p:spTree>
-    <p:extLst>
-      <p:ext uri="{BB962C8B-B14F-4D97-AF65-F5344CB8AC3E}">
-        <p14:creationId xmlns:p14="http://schemas.microsoft.com/office/powerpoint/2010/main" val="1277279737"/>
-      </p:ext>
-    </p:extLst>
-  </p:cSld>
-  <p:clrMapOvr>
-    <a:masterClrMapping/>
-  </p:clrMapOvr>
-</p:sld>
-</file>
-
-<file path=ppt/slides/slide18.xml><?xml version="1.0" encoding="utf-8"?>
-<p:sld xmlns:a="http://schemas.openxmlformats.org/drawingml/2006/main" xmlns:r="http://schemas.openxmlformats.org/officeDocument/2006/relationships" xmlns:p="http://schemas.openxmlformats.org/presentationml/2006/main">
-  <p:cSld>
-    <p:spTree>
-      <p:nvGrpSpPr>
-        <p:cNvPr id="1" name="">
-          <a:extLst>
-            <a:ext uri="{FF2B5EF4-FFF2-40B4-BE49-F238E27FC236}">
-              <a16:creationId xmlns:a16="http://schemas.microsoft.com/office/drawing/2014/main" id="{E497149A-F8BA-9089-13FD-C6D041AB04AB}"/>
-            </a:ext>
-          </a:extLst>
-        </p:cNvPr>
-        <p:cNvGrpSpPr/>
-        <p:nvPr/>
-      </p:nvGrpSpPr>
-      <p:grpSpPr>
-        <a:xfrm>
-          <a:off x="0" y="0"/>
-          <a:ext cx="0" cy="0"/>
-          <a:chOff x="0" y="0"/>
-          <a:chExt cx="0" cy="0"/>
-        </a:xfrm>
-      </p:grpSpPr>
-      <p:sp>
-        <p:nvSpPr>
-          <p:cNvPr id="2" name="Title 1">
-            <a:extLst>
-              <a:ext uri="{FF2B5EF4-FFF2-40B4-BE49-F238E27FC236}">
-                <a16:creationId xmlns:a16="http://schemas.microsoft.com/office/drawing/2014/main" id="{5CBF6581-7819-C4C7-ACA2-5A664E5786F5}"/>
-              </a:ext>
-            </a:extLst>
-          </p:cNvPr>
-          <p:cNvSpPr>
-            <a:spLocks noGrp="1"/>
-          </p:cNvSpPr>
-          <p:nvPr>
-            <p:ph type="title"/>
-          </p:nvPr>
-        </p:nvSpPr>
-        <p:spPr/>
-        <p:txBody>
-          <a:bodyPr>
-            <a:normAutofit/>
-          </a:bodyPr>
-          <a:lstStyle/>
-          <a:p>
-            <a:r>
-              <a:rPr lang="en-US" dirty="0">
-                <a:ea typeface="+mj-lt"/>
-                <a:cs typeface="+mj-lt"/>
-              </a:rPr>
-              <a:t>ROC</a:t>
-            </a:r>
-            <a:endParaRPr lang="en-US" dirty="0"/>
-          </a:p>
-        </p:txBody>
-      </p:sp>
-      <p:sp>
-        <p:nvSpPr>
-          <p:cNvPr id="4" name="Content Placeholder 3">
-            <a:extLst>
-              <a:ext uri="{FF2B5EF4-FFF2-40B4-BE49-F238E27FC236}">
-                <a16:creationId xmlns:a16="http://schemas.microsoft.com/office/drawing/2014/main" id="{2915B68E-EE3F-16DC-E2BC-0605782F6D0F}"/>
-              </a:ext>
-            </a:extLst>
-          </p:cNvPr>
-          <p:cNvSpPr>
-            <a:spLocks noGrp="1"/>
-          </p:cNvSpPr>
-          <p:nvPr>
-            <p:ph idx="1"/>
-          </p:nvPr>
-        </p:nvSpPr>
-        <p:spPr>
-          <a:xfrm>
-            <a:off x="838200" y="1825625"/>
-            <a:ext cx="10515600" cy="4351338"/>
-          </a:xfrm>
-        </p:spPr>
-        <p:txBody>
-          <a:bodyPr vert="horz" lIns="91440" tIns="45720" rIns="91440" bIns="45720" rtlCol="0" anchor="t">
-            <a:normAutofit/>
-          </a:bodyPr>
-          <a:lstStyle/>
-          <a:p>
-            <a:r>
-              <a:rPr lang="en-US" dirty="0">
-                <a:ea typeface="+mn-lt"/>
-                <a:cs typeface="+mn-lt"/>
-              </a:rPr>
-              <a:t>A </a:t>
-            </a:r>
-            <a:r>
-              <a:rPr lang="en-US" b="1" dirty="0">
-                <a:ea typeface="+mn-lt"/>
-                <a:cs typeface="+mn-lt"/>
-              </a:rPr>
-              <a:t>ROC curve</a:t>
-            </a:r>
-            <a:r>
-              <a:rPr lang="en-US" dirty="0">
-                <a:ea typeface="+mn-lt"/>
-                <a:cs typeface="+mn-lt"/>
-              </a:rPr>
-              <a:t> is a graphical plot </a:t>
-            </a:r>
-            <a:br>
-              <a:rPr lang="en-US" dirty="0">
-                <a:ea typeface="+mn-lt"/>
-                <a:cs typeface="+mn-lt"/>
-              </a:rPr>
-            </a:br>
-            <a:r>
-              <a:rPr lang="en-US" dirty="0">
-                <a:ea typeface="+mn-lt"/>
-                <a:cs typeface="+mn-lt"/>
-              </a:rPr>
-              <a:t>that illustrates the performance</a:t>
-            </a:r>
-            <a:br>
-              <a:rPr lang="en-US" dirty="0">
-                <a:ea typeface="+mn-lt"/>
-                <a:cs typeface="+mn-lt"/>
-              </a:rPr>
-            </a:br>
-            <a:r>
-              <a:rPr lang="en-US" dirty="0">
-                <a:ea typeface="+mn-lt"/>
-                <a:cs typeface="+mn-lt"/>
-              </a:rPr>
-              <a:t>of a binary classifier model </a:t>
-            </a:r>
-            <a:br>
-              <a:rPr lang="en-US" dirty="0">
-                <a:ea typeface="+mn-lt"/>
-                <a:cs typeface="+mn-lt"/>
-              </a:rPr>
-            </a:br>
-            <a:r>
-              <a:rPr lang="en-US" dirty="0">
-                <a:ea typeface="+mn-lt"/>
-                <a:cs typeface="+mn-lt"/>
-              </a:rPr>
-              <a:t>at varying threshold values.</a:t>
-            </a:r>
-            <a:endParaRPr lang="en-US" dirty="0"/>
-          </a:p>
-          <a:p>
-            <a:endParaRPr lang="en-US"/>
-          </a:p>
-          <a:p>
-            <a:endParaRPr lang="en-US" dirty="0">
-              <a:ea typeface="+mn-lt"/>
-              <a:cs typeface="+mn-lt"/>
-            </a:endParaRPr>
-          </a:p>
-          <a:p>
-            <a:endParaRPr lang="en-US" dirty="0">
-              <a:ea typeface="+mn-lt"/>
-              <a:cs typeface="+mn-lt"/>
-            </a:endParaRPr>
-          </a:p>
-          <a:p>
-            <a:r>
-              <a:rPr lang="en-US" dirty="0">
-                <a:ea typeface="+mn-lt"/>
-                <a:cs typeface="+mn-lt"/>
-              </a:rPr>
-              <a:t>The ROC curve is the plot of the true positive rate (TPR) against the false positive rate (FPR) at each threshold setting.</a:t>
-            </a:r>
-            <a:endParaRPr lang="en-US" dirty="0"/>
-          </a:p>
-          <a:p>
-            <a:endParaRPr lang="en-US"/>
-          </a:p>
-        </p:txBody>
-      </p:sp>
-      <p:pic>
-        <p:nvPicPr>
-          <p:cNvPr id="3" name="Picture 2" descr="A graph of a curve&#10;&#10;AI-generated content may be incorrect.">
-            <a:extLst>
-              <a:ext uri="{FF2B5EF4-FFF2-40B4-BE49-F238E27FC236}">
-                <a16:creationId xmlns:a16="http://schemas.microsoft.com/office/drawing/2014/main" id="{459D6EDA-196B-D2E5-DEB8-D15D1BAF8221}"/>
-              </a:ext>
-            </a:extLst>
-          </p:cNvPr>
-          <p:cNvPicPr>
-            <a:picLocks noChangeAspect="1"/>
-          </p:cNvPicPr>
-          <p:nvPr/>
-        </p:nvPicPr>
-        <p:blipFill>
-          <a:blip r:embed="rId2"/>
-          <a:srcRect l="-102" t="3571" r="3282"/>
-          <a:stretch>
-            <a:fillRect/>
-          </a:stretch>
-        </p:blipFill>
-        <p:spPr>
-          <a:xfrm>
-            <a:off x="6106160" y="1685925"/>
-            <a:ext cx="5099859" cy="3468324"/>
-          </a:xfrm>
-          <a:prstGeom prst="rect">
-            <a:avLst/>
-          </a:prstGeom>
-        </p:spPr>
-      </p:pic>
-    </p:spTree>
-    <p:extLst>
-      <p:ext uri="{BB962C8B-B14F-4D97-AF65-F5344CB8AC3E}">
-        <p14:creationId xmlns:p14="http://schemas.microsoft.com/office/powerpoint/2010/main" val="1975279200"/>
-      </p:ext>
-    </p:extLst>
-  </p:cSld>
-  <p:clrMapOvr>
-    <a:masterClrMapping/>
-  </p:clrMapOvr>
-</p:sld>
-</file>
-
-<file path=ppt/slides/slide19.xml><?xml version="1.0" encoding="utf-8"?>
-<p:sld xmlns:a="http://schemas.openxmlformats.org/drawingml/2006/main" xmlns:r="http://schemas.openxmlformats.org/officeDocument/2006/relationships" xmlns:p="http://schemas.openxmlformats.org/presentationml/2006/main">
-  <p:cSld>
-    <p:spTree>
-      <p:nvGrpSpPr>
-        <p:cNvPr id="1" name="">
-          <a:extLst>
-            <a:ext uri="{FF2B5EF4-FFF2-40B4-BE49-F238E27FC236}">
-              <a16:creationId xmlns:a16="http://schemas.microsoft.com/office/drawing/2014/main" id="{8A4322B0-9379-01D3-4289-B02D7099BEE2}"/>
-            </a:ext>
-          </a:extLst>
-        </p:cNvPr>
-        <p:cNvGrpSpPr/>
-        <p:nvPr/>
-      </p:nvGrpSpPr>
-      <p:grpSpPr>
-        <a:xfrm>
-          <a:off x="0" y="0"/>
-          <a:ext cx="0" cy="0"/>
-          <a:chOff x="0" y="0"/>
-          <a:chExt cx="0" cy="0"/>
-        </a:xfrm>
-      </p:grpSpPr>
-      <p:sp>
-        <p:nvSpPr>
-          <p:cNvPr id="2" name="Title 1">
-            <a:extLst>
-              <a:ext uri="{FF2B5EF4-FFF2-40B4-BE49-F238E27FC236}">
-                <a16:creationId xmlns:a16="http://schemas.microsoft.com/office/drawing/2014/main" id="{7212095C-9747-F76A-1191-0ED5564AA6E4}"/>
-              </a:ext>
-            </a:extLst>
-          </p:cNvPr>
-          <p:cNvSpPr>
-            <a:spLocks noGrp="1"/>
-          </p:cNvSpPr>
-          <p:nvPr>
-            <p:ph type="title"/>
-          </p:nvPr>
-        </p:nvSpPr>
-        <p:spPr/>
-        <p:txBody>
-          <a:bodyPr>
-            <a:normAutofit/>
-          </a:bodyPr>
-          <a:lstStyle/>
-          <a:p>
-            <a:r>
-              <a:rPr lang="en-US" dirty="0">
-                <a:ea typeface="+mj-lt"/>
-                <a:cs typeface="+mj-lt"/>
-              </a:rPr>
-              <a:t>AUC</a:t>
-            </a:r>
-            <a:endParaRPr lang="en-US" dirty="0"/>
-          </a:p>
-        </p:txBody>
-      </p:sp>
-      <p:sp>
-        <p:nvSpPr>
-          <p:cNvPr id="4" name="Content Placeholder 3">
-            <a:extLst>
-              <a:ext uri="{FF2B5EF4-FFF2-40B4-BE49-F238E27FC236}">
-                <a16:creationId xmlns:a16="http://schemas.microsoft.com/office/drawing/2014/main" id="{A1892508-8A87-FCDC-AAF0-9DB44BDFB7A7}"/>
-              </a:ext>
-            </a:extLst>
-          </p:cNvPr>
-          <p:cNvSpPr>
-            <a:spLocks noGrp="1"/>
-          </p:cNvSpPr>
-          <p:nvPr>
-            <p:ph idx="1"/>
-          </p:nvPr>
-        </p:nvSpPr>
-        <p:spPr/>
-        <p:txBody>
-          <a:bodyPr vert="horz" lIns="91440" tIns="45720" rIns="91440" bIns="45720" rtlCol="0" anchor="t">
-            <a:normAutofit/>
-          </a:bodyPr>
-          <a:lstStyle/>
-          <a:p>
-            <a:r>
-              <a:rPr lang="en-US" dirty="0">
-                <a:ea typeface="+mn-lt"/>
-                <a:cs typeface="+mn-lt"/>
-              </a:rPr>
-              <a:t>The Area Under the ROC Curve (AUC) is a metric used to evaluate the performance of a binary classification model. </a:t>
-            </a:r>
-          </a:p>
-          <a:p>
-            <a:r>
-              <a:rPr lang="en-US" dirty="0">
-                <a:ea typeface="+mn-lt"/>
-                <a:cs typeface="+mn-lt"/>
-              </a:rPr>
-              <a:t>An AUC of 1.0 indicates a perfect model, while an AUC of 0.5 suggests the model performs no better than random guessing</a:t>
-            </a:r>
-            <a:endParaRPr lang="en-US" dirty="0"/>
-          </a:p>
-          <a:p>
-            <a:pPr lvl="1"/>
-            <a:r>
-              <a:rPr lang="en-US" b="1" dirty="0">
-                <a:ea typeface="+mn-lt"/>
-                <a:cs typeface="+mn-lt"/>
-              </a:rPr>
-              <a:t>0.5:</a:t>
-            </a:r>
-            <a:r>
-              <a:rPr lang="en-US" dirty="0">
-                <a:ea typeface="+mn-lt"/>
-                <a:cs typeface="+mn-lt"/>
-              </a:rPr>
-              <a:t> No discriminatory power (random guessing). </a:t>
-            </a:r>
-            <a:endParaRPr lang="en-US"/>
-          </a:p>
-          <a:p>
-            <a:pPr lvl="1"/>
-            <a:r>
-              <a:rPr lang="en-US" b="1" dirty="0">
-                <a:ea typeface="+mn-lt"/>
-                <a:cs typeface="+mn-lt"/>
-              </a:rPr>
-              <a:t>0.7 - 0.8:</a:t>
-            </a:r>
-            <a:r>
-              <a:rPr lang="en-US" dirty="0">
-                <a:ea typeface="+mn-lt"/>
-                <a:cs typeface="+mn-lt"/>
-              </a:rPr>
-              <a:t> Acceptable performance. </a:t>
-            </a:r>
-            <a:endParaRPr lang="en-US" dirty="0"/>
-          </a:p>
-          <a:p>
-            <a:pPr lvl="1"/>
-            <a:r>
-              <a:rPr lang="en-US" b="1" dirty="0">
-                <a:ea typeface="+mn-lt"/>
-                <a:cs typeface="+mn-lt"/>
-              </a:rPr>
-              <a:t>0.8 - 0.9:</a:t>
-            </a:r>
-            <a:r>
-              <a:rPr lang="en-US" dirty="0">
-                <a:ea typeface="+mn-lt"/>
-                <a:cs typeface="+mn-lt"/>
-              </a:rPr>
-              <a:t> Excellent performance. </a:t>
-            </a:r>
-            <a:endParaRPr lang="en-US"/>
-          </a:p>
-          <a:p>
-            <a:pPr lvl="1"/>
-            <a:r>
-              <a:rPr lang="en-US" b="1" dirty="0">
-                <a:ea typeface="+mn-lt"/>
-                <a:cs typeface="+mn-lt"/>
-              </a:rPr>
-              <a:t>0.9 - 1.0:</a:t>
-            </a:r>
-            <a:r>
-              <a:rPr lang="en-US" dirty="0">
-                <a:ea typeface="+mn-lt"/>
-                <a:cs typeface="+mn-lt"/>
-              </a:rPr>
-              <a:t> Outstanding performance. </a:t>
-            </a:r>
-            <a:endParaRPr lang="en-US" dirty="0"/>
-          </a:p>
-          <a:p>
-            <a:endParaRPr lang="en-US" dirty="0"/>
-          </a:p>
-          <a:p>
-            <a:endParaRPr lang="en-US" dirty="0"/>
-          </a:p>
-        </p:txBody>
-      </p:sp>
-    </p:spTree>
-    <p:extLst>
-      <p:ext uri="{BB962C8B-B14F-4D97-AF65-F5344CB8AC3E}">
-        <p14:creationId xmlns:p14="http://schemas.microsoft.com/office/powerpoint/2010/main" val="522451010"/>
-      </p:ext>
-    </p:extLst>
-  </p:cSld>
-  <p:clrMapOvr>
-    <a:masterClrMapping/>
-  </p:clrMapOvr>
-</p:sld>
-</file>
-
-<file path=ppt/slides/slide2.xml><?xml version="1.0" encoding="utf-8"?>
-<p:sld xmlns:a="http://schemas.openxmlformats.org/drawingml/2006/main" xmlns:r="http://schemas.openxmlformats.org/officeDocument/2006/relationships" xmlns:p="http://schemas.openxmlformats.org/presentationml/2006/main">
-  <p:cSld>
-    <p:spTree>
-      <p:nvGrpSpPr>
-        <p:cNvPr id="1" name=""/>
-        <p:cNvGrpSpPr/>
-        <p:nvPr/>
-      </p:nvGrpSpPr>
-      <p:grpSpPr>
-        <a:xfrm>
-          <a:off x="0" y="0"/>
-          <a:ext cx="0" cy="0"/>
-          <a:chOff x="0" y="0"/>
-          <a:chExt cx="0" cy="0"/>
-        </a:xfrm>
-      </p:grpSpPr>
-      <p:sp>
-        <p:nvSpPr>
-          <p:cNvPr id="2" name="Title 1">
-            <a:extLst>
-              <a:ext uri="{FF2B5EF4-FFF2-40B4-BE49-F238E27FC236}">
-                <a16:creationId xmlns:a16="http://schemas.microsoft.com/office/drawing/2014/main" id="{7E8C8F0A-3DC8-D1EA-1794-F003AC4CAA6F}"/>
-              </a:ext>
-            </a:extLst>
-          </p:cNvPr>
-          <p:cNvSpPr>
-            <a:spLocks noGrp="1"/>
-          </p:cNvSpPr>
-          <p:nvPr>
-            <p:ph type="title"/>
-          </p:nvPr>
-        </p:nvSpPr>
-        <p:spPr/>
-        <p:txBody>
-          <a:bodyPr>
-            <a:normAutofit/>
-          </a:bodyPr>
-          <a:lstStyle/>
-          <a:p>
-            <a:r>
-              <a:rPr lang="en-US" dirty="0">
-                <a:latin typeface="Aptos"/>
-              </a:rPr>
-              <a:t>Exploratory data analysis (EDA)</a:t>
-            </a:r>
-          </a:p>
-        </p:txBody>
-      </p:sp>
-      <p:sp>
-        <p:nvSpPr>
-          <p:cNvPr id="3" name="Content Placeholder 2">
-            <a:extLst>
-              <a:ext uri="{FF2B5EF4-FFF2-40B4-BE49-F238E27FC236}">
-                <a16:creationId xmlns:a16="http://schemas.microsoft.com/office/drawing/2014/main" id="{F33AAB21-0DEE-F27D-8863-CB061DF74378}"/>
-              </a:ext>
-            </a:extLst>
-          </p:cNvPr>
-          <p:cNvSpPr>
-            <a:spLocks noGrp="1"/>
-          </p:cNvSpPr>
-          <p:nvPr>
-            <p:ph idx="1"/>
-          </p:nvPr>
-        </p:nvSpPr>
-        <p:spPr/>
-        <p:txBody>
-          <a:bodyPr vert="horz" lIns="91440" tIns="45720" rIns="91440" bIns="45720" rtlCol="0" anchor="t">
-            <a:normAutofit/>
-          </a:bodyPr>
-          <a:lstStyle/>
-          <a:p>
-            <a:r>
-              <a:rPr lang="en-US" dirty="0"/>
-              <a:t>EDA</a:t>
-            </a:r>
-            <a:r>
-              <a:rPr lang="en-US" dirty="0">
-                <a:ea typeface="+mn-lt"/>
-                <a:cs typeface="+mn-lt"/>
-              </a:rPr>
-              <a:t> is used for</a:t>
-            </a:r>
-            <a:r>
-              <a:rPr lang="en-US" sz="2800" dirty="0">
-                <a:ea typeface="+mn-lt"/>
-                <a:cs typeface="+mn-lt"/>
-              </a:rPr>
-              <a:t> </a:t>
-            </a:r>
-            <a:r>
-              <a:rPr lang="en-US" dirty="0">
-                <a:ea typeface="+mn-lt"/>
-                <a:cs typeface="+mn-lt"/>
-              </a:rPr>
-              <a:t>analyzing datasets and summarizing their main characteristics</a:t>
-            </a:r>
-            <a:r>
-              <a:rPr lang="en-US" sz="2800" dirty="0">
-                <a:ea typeface="+mn-lt"/>
-                <a:cs typeface="+mn-lt"/>
-              </a:rPr>
-              <a:t>, </a:t>
-            </a:r>
-            <a:r>
-              <a:rPr lang="en-US" dirty="0">
-                <a:ea typeface="+mn-lt"/>
-                <a:cs typeface="+mn-lt"/>
-              </a:rPr>
-              <a:t>using statistical graphics or visualization methods</a:t>
-            </a:r>
-            <a:endParaRPr lang="en-US" dirty="0"/>
-          </a:p>
-          <a:p>
-            <a:r>
-              <a:rPr lang="en-US" dirty="0">
-                <a:ea typeface="+mn-lt"/>
-                <a:cs typeface="+mn-lt"/>
-              </a:rPr>
-              <a:t>EDA is for seeing what the data can tell</a:t>
-            </a:r>
-          </a:p>
-          <a:p>
-            <a:r>
-              <a:rPr lang="en-US" dirty="0"/>
-              <a:t>In the USA, and West Coast in particular,</a:t>
-            </a:r>
-            <a:br>
-              <a:rPr lang="en-US" dirty="0"/>
-            </a:br>
-            <a:r>
-              <a:rPr lang="en-US" dirty="0"/>
-              <a:t>people argue</a:t>
-            </a:r>
-            <a:r>
-              <a:rPr lang="en-US" dirty="0">
-                <a:ea typeface="+mn-lt"/>
-                <a:cs typeface="+mn-lt"/>
-              </a:rPr>
-              <a:t> about who has most rain</a:t>
-            </a:r>
-          </a:p>
-          <a:p>
-            <a:r>
-              <a:rPr lang="en-US" dirty="0">
-                <a:ea typeface="+mn-lt"/>
-                <a:cs typeface="+mn-lt"/>
-              </a:rPr>
-              <a:t>What about the East Coast?</a:t>
-            </a:r>
-            <a:br>
-              <a:rPr lang="en-US" dirty="0">
-                <a:ea typeface="+mn-lt"/>
-                <a:cs typeface="+mn-lt"/>
-              </a:rPr>
-            </a:br>
-            <a:r>
-              <a:rPr lang="en-US" dirty="0">
-                <a:ea typeface="+mn-lt"/>
-                <a:cs typeface="+mn-lt"/>
-              </a:rPr>
-              <a:t>We want to see if it rains more </a:t>
-            </a:r>
-            <a:br>
-              <a:rPr lang="en-US" dirty="0">
-                <a:ea typeface="+mn-lt"/>
-                <a:cs typeface="+mn-lt"/>
-              </a:rPr>
-            </a:br>
-            <a:r>
-              <a:rPr lang="en-US" dirty="0">
-                <a:ea typeface="+mn-lt"/>
-                <a:cs typeface="+mn-lt"/>
-              </a:rPr>
-              <a:t>in Atlanta or Seattle</a:t>
-            </a:r>
-          </a:p>
-        </p:txBody>
-      </p:sp>
-      <p:pic>
-        <p:nvPicPr>
-          <p:cNvPr id="4" name="Picture 3" descr="A screenshot of a weather forecast&#10;&#10;AI-generated content may be incorrect.">
-            <a:extLst>
-              <a:ext uri="{FF2B5EF4-FFF2-40B4-BE49-F238E27FC236}">
-                <a16:creationId xmlns:a16="http://schemas.microsoft.com/office/drawing/2014/main" id="{33ECEA8B-4D30-7127-9BB2-6BFCDED318D3}"/>
-              </a:ext>
-            </a:extLst>
-          </p:cNvPr>
-          <p:cNvPicPr>
-            <a:picLocks noChangeAspect="1"/>
-          </p:cNvPicPr>
-          <p:nvPr/>
-        </p:nvPicPr>
-        <p:blipFill>
-          <a:blip r:embed="rId2"/>
-          <a:stretch>
-            <a:fillRect/>
-          </a:stretch>
-        </p:blipFill>
-        <p:spPr>
-          <a:xfrm>
-            <a:off x="7546122" y="2709487"/>
-            <a:ext cx="3810684" cy="3151268"/>
-          </a:xfrm>
-          <a:prstGeom prst="rect">
-            <a:avLst/>
-          </a:prstGeom>
-        </p:spPr>
-      </p:pic>
-      <p:pic>
-        <p:nvPicPr>
-          <p:cNvPr id="6" name="Picture 5" descr="A map of the united states&#10;&#10;AI-generated content may be incorrect.">
-            <a:extLst>
-              <a:ext uri="{FF2B5EF4-FFF2-40B4-BE49-F238E27FC236}">
-                <a16:creationId xmlns:a16="http://schemas.microsoft.com/office/drawing/2014/main" id="{151552C3-2F85-BE3E-E6D1-35C7CBBEF892}"/>
-              </a:ext>
-            </a:extLst>
-          </p:cNvPr>
-          <p:cNvPicPr>
-            <a:picLocks noChangeAspect="1"/>
-          </p:cNvPicPr>
-          <p:nvPr/>
-        </p:nvPicPr>
-        <p:blipFill>
-          <a:blip r:embed="rId3"/>
-          <a:srcRect l="-510" t="-72" r="36905" b="14272"/>
-          <a:stretch>
-            <a:fillRect/>
-          </a:stretch>
-        </p:blipFill>
-        <p:spPr>
-          <a:xfrm>
-            <a:off x="5717162" y="3996246"/>
-            <a:ext cx="2813761" cy="2176400"/>
-          </a:xfrm>
-          <a:prstGeom prst="rect">
-            <a:avLst/>
-          </a:prstGeom>
-        </p:spPr>
-      </p:pic>
-    </p:spTree>
-    <p:extLst>
-      <p:ext uri="{BB962C8B-B14F-4D97-AF65-F5344CB8AC3E}">
-        <p14:creationId xmlns:p14="http://schemas.microsoft.com/office/powerpoint/2010/main" val="3258540556"/>
-      </p:ext>
-    </p:extLst>
-  </p:cSld>
-  <p:clrMapOvr>
-    <a:masterClrMapping/>
-  </p:clrMapOvr>
-</p:sld>
-</file>
-
-<file path=ppt/slides/slide20.xml><?xml version="1.0" encoding="utf-8"?>
+<file path=ppt/slides/slide14.xml><?xml version="1.0" encoding="utf-8"?>
 <p:sld xmlns:a="http://schemas.openxmlformats.org/drawingml/2006/main" xmlns:r="http://schemas.openxmlformats.org/officeDocument/2006/relationships" xmlns:p="http://schemas.openxmlformats.org/presentationml/2006/main">
   <p:cSld>
     <p:spTree>
@@ -5424,7 +4029,7 @@
 </p:sld>
 </file>
 
-<file path=ppt/slides/slide21.xml><?xml version="1.0" encoding="utf-8"?>
+<file path=ppt/slides/slide15.xml><?xml version="1.0" encoding="utf-8"?>
 <p:sld xmlns:a="http://schemas.openxmlformats.org/drawingml/2006/main" xmlns:r="http://schemas.openxmlformats.org/officeDocument/2006/relationships" xmlns:p="http://schemas.openxmlformats.org/presentationml/2006/main">
   <p:cSld>
     <p:spTree>
@@ -5581,7 +4186,7 @@
 </p:sld>
 </file>
 
-<file path=ppt/slides/slide22.xml><?xml version="1.0" encoding="utf-8"?>
+<file path=ppt/slides/slide16.xml><?xml version="1.0" encoding="utf-8"?>
 <p:sld xmlns:a="http://schemas.openxmlformats.org/drawingml/2006/main" xmlns:r="http://schemas.openxmlformats.org/officeDocument/2006/relationships" xmlns:p="http://schemas.openxmlformats.org/presentationml/2006/main">
   <p:cSld>
     <p:spTree>
@@ -5679,21 +4284,21 @@
           </a:p>
           <a:p>
             <a:r>
-              <a:rPr lang="en-US">
+              <a:rPr lang="en-US" dirty="0">
                 <a:ea typeface="+mn-lt"/>
                 <a:cs typeface="+mn-lt"/>
               </a:rPr>
               <a:t>New features are added like time difference between </a:t>
             </a:r>
             <a:r>
-              <a:rPr lang="en-US" err="1">
+              <a:rPr lang="en-US" dirty="0" err="1">
                 <a:ea typeface="+mn-lt"/>
                 <a:cs typeface="+mn-lt"/>
               </a:rPr>
               <a:t>dropoff</a:t>
             </a:r>
             <a:r>
-              <a:rPr lang="en-US">
+              <a:rPr lang="en-US" dirty="0">
                 <a:ea typeface="+mn-lt"/>
                 <a:cs typeface="+mn-lt"/>
               </a:rPr>
@@ -5715,16 +4320,9 @@
                 <a:ea typeface="+mn-lt"/>
                 <a:cs typeface="+mn-lt"/>
               </a:rPr>
-              <a:t>Training data is then fitted to a Random Forest Model, and Inference is </a:t>
-            </a:r>
-            <a:r>
-              <a:rPr lang="en-US">
-                <a:ea typeface="+mn-lt"/>
-                <a:cs typeface="+mn-lt"/>
-              </a:rPr>
-              <a:t>run on the test set.</a:t>
-            </a:r>
-            <a:endParaRPr lang="en-US"/>
+              <a:t>Training data is then fitted to a Random Forest Model, and Inference is run on the test dataset and we compute the MSE</a:t>
+            </a:r>
+            <a:endParaRPr lang="en-US" dirty="0"/>
           </a:p>
         </p:txBody>
       </p:sp>
@@ -5732,6 +4330,259 @@
     <p:extLst>
       <p:ext uri="{BB962C8B-B14F-4D97-AF65-F5344CB8AC3E}">
         <p14:creationId xmlns:p14="http://schemas.microsoft.com/office/powerpoint/2010/main" val="3016579628"/>
+      </p:ext>
+    </p:extLst>
+  </p:cSld>
+  <p:clrMapOvr>
+    <a:masterClrMapping/>
+  </p:clrMapOvr>
+</p:sld>
+</file>
+
+<file path=ppt/slides/slide2.xml><?xml version="1.0" encoding="utf-8"?>
+<p:sld xmlns:a="http://schemas.openxmlformats.org/drawingml/2006/main" xmlns:r="http://schemas.openxmlformats.org/officeDocument/2006/relationships" xmlns:p="http://schemas.openxmlformats.org/presentationml/2006/main">
+  <p:cSld>
+    <p:spTree>
+      <p:nvGrpSpPr>
+        <p:cNvPr id="1" name=""/>
+        <p:cNvGrpSpPr/>
+        <p:nvPr/>
+      </p:nvGrpSpPr>
+      <p:grpSpPr>
+        <a:xfrm>
+          <a:off x="0" y="0"/>
+          <a:ext cx="0" cy="0"/>
+          <a:chOff x="0" y="0"/>
+          <a:chExt cx="0" cy="0"/>
+        </a:xfrm>
+      </p:grpSpPr>
+      <p:sp>
+        <p:nvSpPr>
+          <p:cNvPr id="2" name="Title 1">
+            <a:extLst>
+              <a:ext uri="{FF2B5EF4-FFF2-40B4-BE49-F238E27FC236}">
+                <a16:creationId xmlns:a16="http://schemas.microsoft.com/office/drawing/2014/main" id="{7E8C8F0A-3DC8-D1EA-1794-F003AC4CAA6F}"/>
+              </a:ext>
+            </a:extLst>
+          </p:cNvPr>
+          <p:cNvSpPr>
+            <a:spLocks noGrp="1"/>
+          </p:cNvSpPr>
+          <p:nvPr>
+            <p:ph type="title"/>
+          </p:nvPr>
+        </p:nvSpPr>
+        <p:spPr/>
+        <p:txBody>
+          <a:bodyPr>
+            <a:normAutofit/>
+          </a:bodyPr>
+          <a:lstStyle/>
+          <a:p>
+            <a:r>
+              <a:rPr lang="en-US" dirty="0">
+                <a:latin typeface="Aptos"/>
+              </a:rPr>
+              <a:t>Exploratory data analysis (EDA)</a:t>
+            </a:r>
+          </a:p>
+        </p:txBody>
+      </p:sp>
+      <p:sp>
+        <p:nvSpPr>
+          <p:cNvPr id="3" name="Content Placeholder 2">
+            <a:extLst>
+              <a:ext uri="{FF2B5EF4-FFF2-40B4-BE49-F238E27FC236}">
+                <a16:creationId xmlns:a16="http://schemas.microsoft.com/office/drawing/2014/main" id="{F33AAB21-0DEE-F27D-8863-CB061DF74378}"/>
+              </a:ext>
+            </a:extLst>
+          </p:cNvPr>
+          <p:cNvSpPr>
+            <a:spLocks noGrp="1"/>
+          </p:cNvSpPr>
+          <p:nvPr>
+            <p:ph idx="1"/>
+          </p:nvPr>
+        </p:nvSpPr>
+        <p:spPr/>
+        <p:txBody>
+          <a:bodyPr vert="horz" lIns="91440" tIns="45720" rIns="91440" bIns="45720" rtlCol="0" anchor="t">
+            <a:normAutofit/>
+          </a:bodyPr>
+          <a:lstStyle/>
+          <a:p>
+            <a:r>
+              <a:rPr lang="en-US" dirty="0"/>
+              <a:t>EDA</a:t>
+            </a:r>
+            <a:r>
+              <a:rPr lang="en-US" dirty="0">
+                <a:ea typeface="+mn-lt"/>
+                <a:cs typeface="+mn-lt"/>
+              </a:rPr>
+              <a:t> is used for</a:t>
+            </a:r>
+            <a:r>
+              <a:rPr lang="en-US" sz="2800" dirty="0">
+                <a:ea typeface="+mn-lt"/>
+                <a:cs typeface="+mn-lt"/>
+              </a:rPr>
+              <a:t> </a:t>
+            </a:r>
+            <a:r>
+              <a:rPr lang="en-US" dirty="0">
+                <a:ea typeface="+mn-lt"/>
+                <a:cs typeface="+mn-lt"/>
+              </a:rPr>
+              <a:t>analyzing datasets and summarizing their main characteristics</a:t>
+            </a:r>
+            <a:r>
+              <a:rPr lang="en-US" sz="2800" dirty="0">
+                <a:ea typeface="+mn-lt"/>
+                <a:cs typeface="+mn-lt"/>
+              </a:rPr>
+              <a:t>, </a:t>
+            </a:r>
+            <a:r>
+              <a:rPr lang="en-US" dirty="0">
+                <a:ea typeface="+mn-lt"/>
+                <a:cs typeface="+mn-lt"/>
+              </a:rPr>
+              <a:t>using statistical graphics or visualization methods</a:t>
+            </a:r>
+            <a:endParaRPr lang="en-US" dirty="0"/>
+          </a:p>
+          <a:p>
+            <a:r>
+              <a:rPr lang="en-US" dirty="0">
+                <a:ea typeface="+mn-lt"/>
+                <a:cs typeface="+mn-lt"/>
+              </a:rPr>
+              <a:t>EDA is for seeing what the data can tell</a:t>
+            </a:r>
+          </a:p>
+          <a:p>
+            <a:r>
+              <a:rPr lang="en-US" dirty="0"/>
+              <a:t>In the USA, and West Coast in particular,</a:t>
+            </a:r>
+            <a:br>
+              <a:rPr lang="en-US" dirty="0"/>
+            </a:br>
+            <a:r>
+              <a:rPr lang="en-US" dirty="0"/>
+              <a:t>people argue</a:t>
+            </a:r>
+            <a:r>
+              <a:rPr lang="en-US" dirty="0">
+                <a:ea typeface="+mn-lt"/>
+                <a:cs typeface="+mn-lt"/>
+              </a:rPr>
+              <a:t> about who has most rain</a:t>
+            </a:r>
+          </a:p>
+          <a:p>
+            <a:r>
+              <a:rPr lang="en-US" dirty="0">
+                <a:ea typeface="+mn-lt"/>
+                <a:cs typeface="+mn-lt"/>
+              </a:rPr>
+              <a:t>What about the East Coast?</a:t>
+            </a:r>
+            <a:br>
+              <a:rPr lang="en-US" dirty="0">
+                <a:ea typeface="+mn-lt"/>
+                <a:cs typeface="+mn-lt"/>
+              </a:rPr>
+            </a:br>
+            <a:r>
+              <a:rPr lang="en-US" dirty="0">
+                <a:ea typeface="+mn-lt"/>
+                <a:cs typeface="+mn-lt"/>
+              </a:rPr>
+              <a:t>We want to see if it rains more </a:t>
+            </a:r>
+            <a:br>
+              <a:rPr lang="en-US" dirty="0">
+                <a:ea typeface="+mn-lt"/>
+                <a:cs typeface="+mn-lt"/>
+              </a:rPr>
+            </a:br>
+            <a:r>
+              <a:rPr lang="en-US" dirty="0">
+                <a:ea typeface="+mn-lt"/>
+                <a:cs typeface="+mn-lt"/>
+              </a:rPr>
+              <a:t>in Atlanta or Seattle</a:t>
+            </a:r>
+          </a:p>
+        </p:txBody>
+      </p:sp>
+      <p:pic>
+        <p:nvPicPr>
+          <p:cNvPr id="4" name="Picture 3" descr="A screenshot of a weather forecast&#10;&#10;AI-generated content may be incorrect.">
+            <a:extLst>
+              <a:ext uri="{FF2B5EF4-FFF2-40B4-BE49-F238E27FC236}">
+                <a16:creationId xmlns:a16="http://schemas.microsoft.com/office/drawing/2014/main" id="{33ECEA8B-4D30-7127-9BB2-6BFCDED318D3}"/>
+              </a:ext>
+            </a:extLst>
+          </p:cNvPr>
+          <p:cNvPicPr>
+            <a:picLocks noChangeAspect="1"/>
+          </p:cNvPicPr>
+          <p:nvPr/>
+        </p:nvPicPr>
+        <p:blipFill>
+          <a:blip r:embed="rId2"/>
+          <a:stretch>
+            <a:fillRect/>
+          </a:stretch>
+        </p:blipFill>
+        <p:spPr>
+          <a:xfrm>
+            <a:off x="7546122" y="2709487"/>
+            <a:ext cx="3810684" cy="3151268"/>
+          </a:xfrm>
+          <a:prstGeom prst="rect">
+            <a:avLst/>
+          </a:prstGeom>
+        </p:spPr>
+      </p:pic>
+      <p:pic>
+        <p:nvPicPr>
+          <p:cNvPr id="6" name="Picture 5" descr="A map of the united states&#10;&#10;AI-generated content may be incorrect.">
+            <a:extLst>
+              <a:ext uri="{FF2B5EF4-FFF2-40B4-BE49-F238E27FC236}">
+                <a16:creationId xmlns:a16="http://schemas.microsoft.com/office/drawing/2014/main" id="{151552C3-2F85-BE3E-E6D1-35C7CBBEF892}"/>
+              </a:ext>
+            </a:extLst>
+          </p:cNvPr>
+          <p:cNvPicPr>
+            <a:picLocks noChangeAspect="1"/>
+          </p:cNvPicPr>
+          <p:nvPr/>
+        </p:nvPicPr>
+        <p:blipFill>
+          <a:blip r:embed="rId3"/>
+          <a:srcRect l="-510" t="-72" r="36905" b="14272"/>
+          <a:stretch>
+            <a:fillRect/>
+          </a:stretch>
+        </p:blipFill>
+        <p:spPr>
+          <a:xfrm>
+            <a:off x="5717162" y="3996246"/>
+            <a:ext cx="2813761" cy="2176400"/>
+          </a:xfrm>
+          <a:prstGeom prst="rect">
+            <a:avLst/>
+          </a:prstGeom>
+        </p:spPr>
+      </p:pic>
+    </p:spTree>
+    <p:extLst>
+      <p:ext uri="{BB962C8B-B14F-4D97-AF65-F5344CB8AC3E}">
+        <p14:creationId xmlns:p14="http://schemas.microsoft.com/office/powerpoint/2010/main" val="3258540556"/>
       </p:ext>
     </p:extLst>
   </p:cSld>
@@ -6752,7 +5603,20 @@
                 <a:ea typeface="+mn-lt"/>
                 <a:cs typeface="+mn-lt"/>
               </a:rPr>
-              <a:t> looks like at least for roughly the last years, it rains more by volume in Atlanta than it does in Seattle</a:t>
+              <a:t> looks like at least for the last years, </a:t>
+            </a:r>
+            <a:br>
+              <a:rPr lang="en-US" dirty="0">
+                <a:ea typeface="+mn-lt"/>
+                <a:cs typeface="+mn-lt"/>
+              </a:rPr>
+            </a:br>
+            <a:r>
+              <a:rPr lang="en-US" dirty="0">
+                <a:ea typeface="+mn-lt"/>
+                <a:cs typeface="+mn-lt"/>
+              </a:rPr>
+              <a:t>it rains more by volume in Atlanta than it does in Seattle</a:t>
             </a:r>
             <a:endParaRPr lang="en-US" dirty="0"/>
           </a:p>
@@ -6815,7 +5679,7 @@
         <p:cNvPr id="1" name="">
           <a:extLst>
             <a:ext uri="{FF2B5EF4-FFF2-40B4-BE49-F238E27FC236}">
-              <a16:creationId xmlns:a16="http://schemas.microsoft.com/office/drawing/2014/main" id="{8DE8E6ED-32F5-F68B-225F-A72C1F8EC646}"/>
+              <a16:creationId xmlns:a16="http://schemas.microsoft.com/office/drawing/2014/main" id="{5B3334DC-E664-103F-766D-5DBB5D7FD193}"/>
             </a:ext>
           </a:extLst>
         </p:cNvPr>
@@ -6835,7 +5699,7 @@
           <p:cNvPr id="2" name="Title 1">
             <a:extLst>
               <a:ext uri="{FF2B5EF4-FFF2-40B4-BE49-F238E27FC236}">
-                <a16:creationId xmlns:a16="http://schemas.microsoft.com/office/drawing/2014/main" id="{E01ECE77-7658-645A-9ECF-1BB077CA59B5}"/>
+                <a16:creationId xmlns:a16="http://schemas.microsoft.com/office/drawing/2014/main" id="{3EA09B58-370D-9B60-F862-A9E519CB7DCE}"/>
               </a:ext>
             </a:extLst>
           </p:cNvPr>
@@ -6855,78 +5719,30 @@
           <a:p>
             <a:r>
               <a:rPr lang="en-US" dirty="0">
-                <a:latin typeface="Aptos"/>
-              </a:rPr>
-              <a:t>Decision trees</a:t>
+                <a:ea typeface="+mj-lt"/>
+                <a:cs typeface="+mj-lt"/>
+              </a:rPr>
+              <a:t>Searching for Exotic Particles in High-Energy Physics with Deep Learning</a:t>
             </a:r>
             <a:endParaRPr lang="en-US" dirty="0"/>
           </a:p>
         </p:txBody>
       </p:sp>
-      <p:sp>
-        <p:nvSpPr>
-          <p:cNvPr id="3" name="Content Placeholder 2">
+      <p:pic>
+        <p:nvPicPr>
+          <p:cNvPr id="5" name="Content Placeholder 4" descr="A text on a page">
             <a:extLst>
               <a:ext uri="{FF2B5EF4-FFF2-40B4-BE49-F238E27FC236}">
-                <a16:creationId xmlns:a16="http://schemas.microsoft.com/office/drawing/2014/main" id="{91D6AD58-F606-5883-886C-C4970BCB644E}"/>
-              </a:ext>
-            </a:extLst>
-          </p:cNvPr>
-          <p:cNvSpPr>
-            <a:spLocks noGrp="1"/>
-          </p:cNvSpPr>
-          <p:nvPr>
-            <p:ph idx="1"/>
-          </p:nvPr>
-        </p:nvSpPr>
-        <p:spPr/>
-        <p:txBody>
-          <a:bodyPr vert="horz" lIns="91440" tIns="45720" rIns="91440" bIns="45720" rtlCol="0" anchor="t">
-            <a:noAutofit/>
-          </a:bodyPr>
-          <a:lstStyle/>
-          <a:p>
-            <a:pPr>
-              <a:buFont typeface="Arial"/>
-              <a:buChar char="•"/>
-            </a:pPr>
-            <a:r>
-              <a:rPr lang="en-US" dirty="0">
-                <a:ea typeface="+mn-lt"/>
-                <a:cs typeface="+mn-lt"/>
-              </a:rPr>
-              <a:t>A decision tree is a non-parametric supervised learning algorithm, which is utilized for both classification and regression tasks. </a:t>
-            </a:r>
-          </a:p>
-          <a:p>
-            <a:pPr>
-              <a:buFont typeface="Arial"/>
-              <a:buChar char="•"/>
-            </a:pPr>
-            <a:r>
-              <a:rPr lang="en-US" dirty="0">
-                <a:ea typeface="+mn-lt"/>
-                <a:cs typeface="+mn-lt"/>
-              </a:rPr>
-              <a:t>It has a hierarchical, tree structure, which consists of a root node, branches, internal nodes and leaf nodes.</a:t>
-            </a:r>
-            <a:endParaRPr lang="en-US" dirty="0"/>
-          </a:p>
-        </p:txBody>
-      </p:sp>
-      <p:pic>
-        <p:nvPicPr>
-          <p:cNvPr id="6" name="Picture 5" descr="A diagram of a weather&#10;&#10;AI-generated content may be incorrect.">
-            <a:extLst>
-              <a:ext uri="{FF2B5EF4-FFF2-40B4-BE49-F238E27FC236}">
-                <a16:creationId xmlns:a16="http://schemas.microsoft.com/office/drawing/2014/main" id="{037CDA3F-9C48-2F0D-F3E8-E443BEE22DC6}"/>
+                <a16:creationId xmlns:a16="http://schemas.microsoft.com/office/drawing/2014/main" id="{9125F38D-E112-37EE-C6E5-68343795B79C}"/>
               </a:ext>
             </a:extLst>
           </p:cNvPr>
           <p:cNvPicPr>
-            <a:picLocks noChangeAspect="1"/>
+            <a:picLocks noGrp="1" noChangeAspect="1"/>
           </p:cNvPicPr>
-          <p:nvPr/>
+          <p:nvPr>
+            <p:ph idx="1"/>
+          </p:nvPr>
         </p:nvPicPr>
         <p:blipFill>
           <a:blip r:embed="rId2"/>
@@ -6936,8 +5752,8 @@
         </p:blipFill>
         <p:spPr>
           <a:xfrm>
-            <a:off x="3864949" y="3539992"/>
-            <a:ext cx="4450205" cy="2632493"/>
+            <a:off x="1411574" y="1969633"/>
+            <a:ext cx="9368852" cy="3900928"/>
           </a:xfrm>
           <a:prstGeom prst="rect">
             <a:avLst/>
@@ -6947,7 +5763,7 @@
     </p:spTree>
     <p:extLst>
       <p:ext uri="{BB962C8B-B14F-4D97-AF65-F5344CB8AC3E}">
-        <p14:creationId xmlns:p14="http://schemas.microsoft.com/office/powerpoint/2010/main" val="1323435215"/>
+        <p14:creationId xmlns:p14="http://schemas.microsoft.com/office/powerpoint/2010/main" val="1484700527"/>
       </p:ext>
     </p:extLst>
   </p:cSld>
@@ -6965,7 +5781,7 @@
         <p:cNvPr id="1" name="">
           <a:extLst>
             <a:ext uri="{FF2B5EF4-FFF2-40B4-BE49-F238E27FC236}">
-              <a16:creationId xmlns:a16="http://schemas.microsoft.com/office/drawing/2014/main" id="{70BDB3F7-278E-11CE-9BE9-62163C544E82}"/>
+              <a16:creationId xmlns:a16="http://schemas.microsoft.com/office/drawing/2014/main" id="{04BC0716-DFA3-4AA8-7AFD-AA240FB6E7D3}"/>
             </a:ext>
           </a:extLst>
         </p:cNvPr>
@@ -6985,7 +5801,7 @@
           <p:cNvPr id="2" name="Title 1">
             <a:extLst>
               <a:ext uri="{FF2B5EF4-FFF2-40B4-BE49-F238E27FC236}">
-                <a16:creationId xmlns:a16="http://schemas.microsoft.com/office/drawing/2014/main" id="{FDA56379-C230-568F-59C6-AC6FD641214F}"/>
+                <a16:creationId xmlns:a16="http://schemas.microsoft.com/office/drawing/2014/main" id="{F04432EF-201F-2F5C-2718-4D43AF62A4C6}"/>
               </a:ext>
             </a:extLst>
           </p:cNvPr>
@@ -7004,16 +5820,11 @@
           <a:lstStyle/>
           <a:p>
             <a:r>
-              <a:rPr lang="en-US" dirty="0" err="1">
-                <a:latin typeface="Aptos"/>
-              </a:rPr>
-              <a:t>XGBoost</a:t>
-            </a:r>
-            <a:r>
-              <a:rPr lang="en-US" dirty="0">
-                <a:latin typeface="Aptos"/>
-              </a:rPr>
-              <a:t> and Random Forest</a:t>
+              <a:rPr lang="en-US" dirty="0">
+                <a:ea typeface="+mj-lt"/>
+                <a:cs typeface="+mj-lt"/>
+              </a:rPr>
+              <a:t>Higgs boson</a:t>
             </a:r>
             <a:endParaRPr lang="en-US" dirty="0"/>
           </a:p>
@@ -7021,10 +5832,10 @@
       </p:sp>
       <p:sp>
         <p:nvSpPr>
-          <p:cNvPr id="3" name="Content Placeholder 2">
+          <p:cNvPr id="4" name="Content Placeholder 3">
             <a:extLst>
               <a:ext uri="{FF2B5EF4-FFF2-40B4-BE49-F238E27FC236}">
-                <a16:creationId xmlns:a16="http://schemas.microsoft.com/office/drawing/2014/main" id="{F11651EF-D2BD-CDE7-6304-94293C90A950}"/>
+                <a16:creationId xmlns:a16="http://schemas.microsoft.com/office/drawing/2014/main" id="{FF71C3D2-D596-A281-79CA-3CEEC93B374B}"/>
               </a:ext>
             </a:extLst>
           </p:cNvPr>
@@ -7035,110 +5846,111 @@
             <p:ph idx="1"/>
           </p:nvPr>
         </p:nvSpPr>
-        <p:spPr/>
+        <p:spPr>
+          <a:xfrm>
+            <a:off x="838200" y="1825625"/>
+            <a:ext cx="6463696" cy="4351338"/>
+          </a:xfrm>
+        </p:spPr>
         <p:txBody>
           <a:bodyPr vert="horz" lIns="91440" tIns="45720" rIns="91440" bIns="45720" rtlCol="0" anchor="t">
-            <a:noAutofit/>
+            <a:normAutofit/>
           </a:bodyPr>
           <a:lstStyle/>
           <a:p>
-            <a:pPr>
-              <a:buFont typeface="Arial"/>
-              <a:buChar char="•"/>
-            </a:pPr>
-            <a:r>
-              <a:rPr lang="en-US" dirty="0" err="1">
-                <a:ea typeface="+mn-lt"/>
-                <a:cs typeface="+mn-lt"/>
-              </a:rPr>
-              <a:t>XGBoost</a:t>
-            </a:r>
-            <a:r>
-              <a:rPr lang="en-US" dirty="0">
-                <a:ea typeface="+mn-lt"/>
-                <a:cs typeface="+mn-lt"/>
-              </a:rPr>
-              <a:t> and Random Forest are both popular ensemble learning methods that build multiple decision trees to make predictions, but they differ in their approach and optimization. </a:t>
-            </a:r>
-          </a:p>
-          <a:p>
-            <a:pPr>
-              <a:buFont typeface="Arial"/>
-              <a:buChar char="•"/>
-            </a:pPr>
-            <a:r>
-              <a:rPr lang="en-US" dirty="0">
-                <a:ea typeface="+mn-lt"/>
-                <a:cs typeface="+mn-lt"/>
-              </a:rPr>
-              <a:t>Random Forest uses a bagging technique, building trees independently and averaging their outputs</a:t>
-            </a:r>
-          </a:p>
-          <a:p>
-            <a:pPr>
-              <a:buFont typeface="Arial"/>
-              <a:buChar char="•"/>
-            </a:pPr>
-            <a:r>
-              <a:rPr lang="en-US" dirty="0">
-                <a:ea typeface="+mn-lt"/>
-                <a:cs typeface="+mn-lt"/>
-              </a:rPr>
-              <a:t> </a:t>
-            </a:r>
-            <a:r>
-              <a:rPr lang="en-US" dirty="0" err="1">
-                <a:ea typeface="+mn-lt"/>
-                <a:cs typeface="+mn-lt"/>
-              </a:rPr>
-              <a:t>XGBoost</a:t>
-            </a:r>
-            <a:r>
-              <a:rPr lang="en-US" dirty="0">
-                <a:ea typeface="+mn-lt"/>
-                <a:cs typeface="+mn-lt"/>
-              </a:rPr>
-              <a:t> uses a boosting technique, building trees sequentially and correcting errors of previous trees. </a:t>
-            </a:r>
-            <a:endParaRPr lang="en-US">
-              <a:ea typeface="+mn-lt"/>
-              <a:cs typeface="+mn-lt"/>
-            </a:endParaRPr>
-          </a:p>
-          <a:p>
-            <a:pPr>
-              <a:buFont typeface="Arial"/>
-              <a:buChar char="•"/>
-            </a:pPr>
-            <a:r>
-              <a:rPr lang="en-US" dirty="0" err="1">
-                <a:ea typeface="+mn-lt"/>
-                <a:cs typeface="+mn-lt"/>
-              </a:rPr>
-              <a:t>XGBoost</a:t>
-            </a:r>
-            <a:r>
-              <a:rPr lang="en-US" dirty="0">
-                <a:ea typeface="+mn-lt"/>
-                <a:cs typeface="+mn-lt"/>
-              </a:rPr>
-              <a:t> is generally more accurate and efficient, especially with complex datasets, but requires more tuning and can be slower to train. </a:t>
+            <a:r>
+              <a:rPr lang="en-US" dirty="0">
+                <a:ea typeface="+mn-lt"/>
+                <a:cs typeface="+mn-lt"/>
+              </a:rPr>
+              <a:t>The field of high energy physics is devoted to the study of the elementary constituents of matter. </a:t>
+            </a:r>
+          </a:p>
+          <a:p>
+            <a:r>
+              <a:rPr lang="en-US" dirty="0">
+                <a:ea typeface="+mn-lt"/>
+                <a:cs typeface="+mn-lt"/>
+              </a:rPr>
+              <a:t>The primary tools of high energy physicists are accelerators, which collide protons and/or antiprotons to create exotic particles. </a:t>
+            </a:r>
+          </a:p>
+          <a:p>
+            <a:r>
+              <a:rPr lang="en-US" dirty="0">
+                <a:ea typeface="+mn-lt"/>
+                <a:cs typeface="+mn-lt"/>
+              </a:rPr>
+              <a:t>Discoveries require powerful statistical methods, and machine learning tools play a critical role. </a:t>
             </a:r>
             <a:endParaRPr lang="en-US"/>
           </a:p>
-          <a:p>
-            <a:pPr>
-              <a:buFont typeface="Arial"/>
-              <a:buChar char="•"/>
-            </a:pPr>
-            <a:endParaRPr lang="en-US" dirty="0"/>
-          </a:p>
-        </p:txBody>
-      </p:sp>
+        </p:txBody>
+      </p:sp>
+      <p:pic>
+        <p:nvPicPr>
+          <p:cNvPr id="8" name="Picture 7" descr="An aerial view of a landscape">
+            <a:extLst>
+              <a:ext uri="{FF2B5EF4-FFF2-40B4-BE49-F238E27FC236}">
+                <a16:creationId xmlns:a16="http://schemas.microsoft.com/office/drawing/2014/main" id="{816A4D3D-6246-A67B-DF4C-210BE3A3857C}"/>
+              </a:ext>
+            </a:extLst>
+          </p:cNvPr>
+          <p:cNvPicPr>
+            <a:picLocks noChangeAspect="1"/>
+          </p:cNvPicPr>
+          <p:nvPr/>
+        </p:nvPicPr>
+        <p:blipFill>
+          <a:blip r:embed="rId2"/>
+          <a:stretch>
+            <a:fillRect/>
+          </a:stretch>
+        </p:blipFill>
+        <p:spPr>
+          <a:xfrm>
+            <a:off x="7161769" y="1693332"/>
+            <a:ext cx="4197247" cy="2310985"/>
+          </a:xfrm>
+          <a:prstGeom prst="rect">
+            <a:avLst/>
+          </a:prstGeom>
+        </p:spPr>
+      </p:pic>
+      <p:pic>
+        <p:nvPicPr>
+          <p:cNvPr id="9" name="Picture 8" descr="A large blue tube with white text&#10;&#10;AI-generated content may be incorrect.">
+            <a:extLst>
+              <a:ext uri="{FF2B5EF4-FFF2-40B4-BE49-F238E27FC236}">
+                <a16:creationId xmlns:a16="http://schemas.microsoft.com/office/drawing/2014/main" id="{AD7D8FEE-4F9C-6C34-076F-2F82420B1F0E}"/>
+              </a:ext>
+            </a:extLst>
+          </p:cNvPr>
+          <p:cNvPicPr>
+            <a:picLocks noChangeAspect="1"/>
+          </p:cNvPicPr>
+          <p:nvPr/>
+        </p:nvPicPr>
+        <p:blipFill>
+          <a:blip r:embed="rId3"/>
+          <a:stretch>
+            <a:fillRect/>
+          </a:stretch>
+        </p:blipFill>
+        <p:spPr>
+          <a:xfrm>
+            <a:off x="7580026" y="3859967"/>
+            <a:ext cx="3777522" cy="2310984"/>
+          </a:xfrm>
+          <a:prstGeom prst="rect">
+            <a:avLst/>
+          </a:prstGeom>
+        </p:spPr>
+      </p:pic>
     </p:spTree>
     <p:extLst>
       <p:ext uri="{BB962C8B-B14F-4D97-AF65-F5344CB8AC3E}">
-        <p14:creationId xmlns:p14="http://schemas.microsoft.com/office/powerpoint/2010/main" val="872346527"/>
+        <p14:creationId xmlns:p14="http://schemas.microsoft.com/office/powerpoint/2010/main" val="48348766"/>
       </p:ext>
     </p:extLst>
   </p:cSld>
